--- a/Design_Phase_Presentation_Final.pptx
+++ b/Design_Phase_Presentation_Final.pptx
@@ -5293,7 +5293,7 @@
           <p:cNvPr id="2" name="Title 1">
             <a:extLst>
               <a:ext uri="{FF2B5EF4-FFF2-40B4-BE49-F238E27FC236}">
-                <a16:creationId xmlns:a16="http://schemas.microsoft.com/office/drawing/2014/main" xmlns="" id="{BAA2F0EC-C5FF-436E-B1DA-72E7C51122CF}"/>
+                <a16:creationId xmlns="" xmlns:a16="http://schemas.microsoft.com/office/drawing/2014/main" id="{BAA2F0EC-C5FF-436E-B1DA-72E7C51122CF}"/>
               </a:ext>
             </a:extLst>
           </p:cNvPr>
@@ -5326,7 +5326,7 @@
           <p:cNvPr id="3" name="Content Placeholder 2">
             <a:extLst>
               <a:ext uri="{FF2B5EF4-FFF2-40B4-BE49-F238E27FC236}">
-                <a16:creationId xmlns:a16="http://schemas.microsoft.com/office/drawing/2014/main" xmlns="" id="{9F2C06DC-6AF6-433A-8EC6-D4C645A3E375}"/>
+                <a16:creationId xmlns="" xmlns:a16="http://schemas.microsoft.com/office/drawing/2014/main" id="{9F2C06DC-6AF6-433A-8EC6-D4C645A3E375}"/>
               </a:ext>
             </a:extLst>
           </p:cNvPr>
@@ -5417,7 +5417,7 @@
           <p:cNvPr id="2" name="Title 1">
             <a:extLst>
               <a:ext uri="{FF2B5EF4-FFF2-40B4-BE49-F238E27FC236}">
-                <a16:creationId xmlns:a16="http://schemas.microsoft.com/office/drawing/2014/main" xmlns="" id="{BAA2F0EC-C5FF-436E-B1DA-72E7C51122CF}"/>
+                <a16:creationId xmlns="" xmlns:a16="http://schemas.microsoft.com/office/drawing/2014/main" id="{BAA2F0EC-C5FF-436E-B1DA-72E7C51122CF}"/>
               </a:ext>
             </a:extLst>
           </p:cNvPr>
@@ -5450,7 +5450,7 @@
           <p:cNvPr id="3" name="Content Placeholder 2">
             <a:extLst>
               <a:ext uri="{FF2B5EF4-FFF2-40B4-BE49-F238E27FC236}">
-                <a16:creationId xmlns:a16="http://schemas.microsoft.com/office/drawing/2014/main" xmlns="" id="{9F2C06DC-6AF6-433A-8EC6-D4C645A3E375}"/>
+                <a16:creationId xmlns="" xmlns:a16="http://schemas.microsoft.com/office/drawing/2014/main" id="{9F2C06DC-6AF6-433A-8EC6-D4C645A3E375}"/>
               </a:ext>
             </a:extLst>
           </p:cNvPr>
@@ -5534,7 +5534,7 @@
           <p:cNvPr id="2" name="Title 1">
             <a:extLst>
               <a:ext uri="{FF2B5EF4-FFF2-40B4-BE49-F238E27FC236}">
-                <a16:creationId xmlns:a16="http://schemas.microsoft.com/office/drawing/2014/main" xmlns="" id="{BAA2F0EC-C5FF-436E-B1DA-72E7C51122CF}"/>
+                <a16:creationId xmlns="" xmlns:a16="http://schemas.microsoft.com/office/drawing/2014/main" id="{BAA2F0EC-C5FF-436E-B1DA-72E7C51122CF}"/>
               </a:ext>
             </a:extLst>
           </p:cNvPr>
@@ -5567,7 +5567,7 @@
           <p:cNvPr id="3" name="Content Placeholder 2">
             <a:extLst>
               <a:ext uri="{FF2B5EF4-FFF2-40B4-BE49-F238E27FC236}">
-                <a16:creationId xmlns:a16="http://schemas.microsoft.com/office/drawing/2014/main" xmlns="" id="{9F2C06DC-6AF6-433A-8EC6-D4C645A3E375}"/>
+                <a16:creationId xmlns="" xmlns:a16="http://schemas.microsoft.com/office/drawing/2014/main" id="{9F2C06DC-6AF6-433A-8EC6-D4C645A3E375}"/>
               </a:ext>
             </a:extLst>
           </p:cNvPr>
@@ -5667,7 +5667,7 @@
           <p:cNvPr id="2" name="Title 1">
             <a:extLst>
               <a:ext uri="{FF2B5EF4-FFF2-40B4-BE49-F238E27FC236}">
-                <a16:creationId xmlns:a16="http://schemas.microsoft.com/office/drawing/2014/main" xmlns="" id="{BAA2F0EC-C5FF-436E-B1DA-72E7C51122CF}"/>
+                <a16:creationId xmlns="" xmlns:a16="http://schemas.microsoft.com/office/drawing/2014/main" id="{BAA2F0EC-C5FF-436E-B1DA-72E7C51122CF}"/>
               </a:ext>
             </a:extLst>
           </p:cNvPr>
@@ -5700,7 +5700,7 @@
           <p:cNvPr id="3" name="Content Placeholder 2">
             <a:extLst>
               <a:ext uri="{FF2B5EF4-FFF2-40B4-BE49-F238E27FC236}">
-                <a16:creationId xmlns:a16="http://schemas.microsoft.com/office/drawing/2014/main" xmlns="" id="{9F2C06DC-6AF6-433A-8EC6-D4C645A3E375}"/>
+                <a16:creationId xmlns="" xmlns:a16="http://schemas.microsoft.com/office/drawing/2014/main" id="{9F2C06DC-6AF6-433A-8EC6-D4C645A3E375}"/>
               </a:ext>
             </a:extLst>
           </p:cNvPr>
@@ -5800,7 +5800,7 @@
           <p:cNvPr id="2" name="Title 1">
             <a:extLst>
               <a:ext uri="{FF2B5EF4-FFF2-40B4-BE49-F238E27FC236}">
-                <a16:creationId xmlns:a16="http://schemas.microsoft.com/office/drawing/2014/main" xmlns="" id="{BAA2F0EC-C5FF-436E-B1DA-72E7C51122CF}"/>
+                <a16:creationId xmlns="" xmlns:a16="http://schemas.microsoft.com/office/drawing/2014/main" id="{BAA2F0EC-C5FF-436E-B1DA-72E7C51122CF}"/>
               </a:ext>
             </a:extLst>
           </p:cNvPr>
@@ -5833,7 +5833,7 @@
           <p:cNvPr id="3" name="Content Placeholder 2">
             <a:extLst>
               <a:ext uri="{FF2B5EF4-FFF2-40B4-BE49-F238E27FC236}">
-                <a16:creationId xmlns:a16="http://schemas.microsoft.com/office/drawing/2014/main" xmlns="" id="{9F2C06DC-6AF6-433A-8EC6-D4C645A3E375}"/>
+                <a16:creationId xmlns="" xmlns:a16="http://schemas.microsoft.com/office/drawing/2014/main" id="{9F2C06DC-6AF6-433A-8EC6-D4C645A3E375}"/>
               </a:ext>
             </a:extLst>
           </p:cNvPr>
@@ -5926,7 +5926,7 @@
           <p:cNvPr id="4" name="Title 3">
             <a:extLst>
               <a:ext uri="{FF2B5EF4-FFF2-40B4-BE49-F238E27FC236}">
-                <a16:creationId xmlns:a16="http://schemas.microsoft.com/office/drawing/2014/main" xmlns="" id="{0FE7722E-4DBF-430D-9597-8A9F503ADAB9}"/>
+                <a16:creationId xmlns="" xmlns:a16="http://schemas.microsoft.com/office/drawing/2014/main" id="{0FE7722E-4DBF-430D-9597-8A9F503ADAB9}"/>
               </a:ext>
             </a:extLst>
           </p:cNvPr>
@@ -5954,7 +5954,7 @@
           <p:cNvPr id="5" name="Text Placeholder 4">
             <a:extLst>
               <a:ext uri="{FF2B5EF4-FFF2-40B4-BE49-F238E27FC236}">
-                <a16:creationId xmlns:a16="http://schemas.microsoft.com/office/drawing/2014/main" xmlns="" id="{E415018C-DEDF-441C-A9AA-1AA28C9E1D40}"/>
+                <a16:creationId xmlns="" xmlns:a16="http://schemas.microsoft.com/office/drawing/2014/main" id="{E415018C-DEDF-441C-A9AA-1AA28C9E1D40}"/>
               </a:ext>
             </a:extLst>
           </p:cNvPr>
@@ -6012,7 +6012,7 @@
           <p:cNvPr id="2" name="Title 1">
             <a:extLst>
               <a:ext uri="{FF2B5EF4-FFF2-40B4-BE49-F238E27FC236}">
-                <a16:creationId xmlns:a16="http://schemas.microsoft.com/office/drawing/2014/main" xmlns="" id="{5CF181D9-AEC2-415C-8E57-CBF59499C4F1}"/>
+                <a16:creationId xmlns="" xmlns:a16="http://schemas.microsoft.com/office/drawing/2014/main" id="{5CF181D9-AEC2-415C-8E57-CBF59499C4F1}"/>
               </a:ext>
             </a:extLst>
           </p:cNvPr>
@@ -6045,7 +6045,7 @@
           <p:cNvPr id="3" name="Content Placeholder 2">
             <a:extLst>
               <a:ext uri="{FF2B5EF4-FFF2-40B4-BE49-F238E27FC236}">
-                <a16:creationId xmlns:a16="http://schemas.microsoft.com/office/drawing/2014/main" xmlns="" id="{DD559ED7-2E6A-4EA5-AF17-911629B96F30}"/>
+                <a16:creationId xmlns="" xmlns:a16="http://schemas.microsoft.com/office/drawing/2014/main" id="{DD559ED7-2E6A-4EA5-AF17-911629B96F30}"/>
               </a:ext>
             </a:extLst>
           </p:cNvPr>
@@ -6114,7 +6114,7 @@
           <p:cNvPr id="2" name="Title 1">
             <a:extLst>
               <a:ext uri="{FF2B5EF4-FFF2-40B4-BE49-F238E27FC236}">
-                <a16:creationId xmlns:a16="http://schemas.microsoft.com/office/drawing/2014/main" xmlns="" id="{5CF181D9-AEC2-415C-8E57-CBF59499C4F1}"/>
+                <a16:creationId xmlns="" xmlns:a16="http://schemas.microsoft.com/office/drawing/2014/main" id="{5CF181D9-AEC2-415C-8E57-CBF59499C4F1}"/>
               </a:ext>
             </a:extLst>
           </p:cNvPr>
@@ -6147,7 +6147,7 @@
           <p:cNvPr id="3" name="Content Placeholder 2">
             <a:extLst>
               <a:ext uri="{FF2B5EF4-FFF2-40B4-BE49-F238E27FC236}">
-                <a16:creationId xmlns:a16="http://schemas.microsoft.com/office/drawing/2014/main" xmlns="" id="{DD559ED7-2E6A-4EA5-AF17-911629B96F30}"/>
+                <a16:creationId xmlns="" xmlns:a16="http://schemas.microsoft.com/office/drawing/2014/main" id="{DD559ED7-2E6A-4EA5-AF17-911629B96F30}"/>
               </a:ext>
             </a:extLst>
           </p:cNvPr>
@@ -6216,7 +6216,7 @@
           <p:cNvPr id="2" name="Title 1">
             <a:extLst>
               <a:ext uri="{FF2B5EF4-FFF2-40B4-BE49-F238E27FC236}">
-                <a16:creationId xmlns:a16="http://schemas.microsoft.com/office/drawing/2014/main" xmlns="" id="{5CF181D9-AEC2-415C-8E57-CBF59499C4F1}"/>
+                <a16:creationId xmlns="" xmlns:a16="http://schemas.microsoft.com/office/drawing/2014/main" id="{5CF181D9-AEC2-415C-8E57-CBF59499C4F1}"/>
               </a:ext>
             </a:extLst>
           </p:cNvPr>
@@ -6249,7 +6249,7 @@
           <p:cNvPr id="3" name="Content Placeholder 2">
             <a:extLst>
               <a:ext uri="{FF2B5EF4-FFF2-40B4-BE49-F238E27FC236}">
-                <a16:creationId xmlns:a16="http://schemas.microsoft.com/office/drawing/2014/main" xmlns="" id="{DD559ED7-2E6A-4EA5-AF17-911629B96F30}"/>
+                <a16:creationId xmlns="" xmlns:a16="http://schemas.microsoft.com/office/drawing/2014/main" id="{DD559ED7-2E6A-4EA5-AF17-911629B96F30}"/>
               </a:ext>
             </a:extLst>
           </p:cNvPr>
@@ -6318,7 +6318,7 @@
           <p:cNvPr id="2" name="Title 1">
             <a:extLst>
               <a:ext uri="{FF2B5EF4-FFF2-40B4-BE49-F238E27FC236}">
-                <a16:creationId xmlns:a16="http://schemas.microsoft.com/office/drawing/2014/main" xmlns="" id="{5CF181D9-AEC2-415C-8E57-CBF59499C4F1}"/>
+                <a16:creationId xmlns="" xmlns:a16="http://schemas.microsoft.com/office/drawing/2014/main" id="{5CF181D9-AEC2-415C-8E57-CBF59499C4F1}"/>
               </a:ext>
             </a:extLst>
           </p:cNvPr>
@@ -6351,7 +6351,7 @@
           <p:cNvPr id="3" name="Content Placeholder 2">
             <a:extLst>
               <a:ext uri="{FF2B5EF4-FFF2-40B4-BE49-F238E27FC236}">
-                <a16:creationId xmlns:a16="http://schemas.microsoft.com/office/drawing/2014/main" xmlns="" id="{DD559ED7-2E6A-4EA5-AF17-911629B96F30}"/>
+                <a16:creationId xmlns="" xmlns:a16="http://schemas.microsoft.com/office/drawing/2014/main" id="{DD559ED7-2E6A-4EA5-AF17-911629B96F30}"/>
               </a:ext>
             </a:extLst>
           </p:cNvPr>
@@ -7081,7 +7081,7 @@
           <p:cNvPr id="2" name="Title 1">
             <a:extLst>
               <a:ext uri="{FF2B5EF4-FFF2-40B4-BE49-F238E27FC236}">
-                <a16:creationId xmlns:a16="http://schemas.microsoft.com/office/drawing/2014/main" xmlns="" id="{5CF181D9-AEC2-415C-8E57-CBF59499C4F1}"/>
+                <a16:creationId xmlns="" xmlns:a16="http://schemas.microsoft.com/office/drawing/2014/main" id="{5CF181D9-AEC2-415C-8E57-CBF59499C4F1}"/>
               </a:ext>
             </a:extLst>
           </p:cNvPr>
@@ -7114,7 +7114,7 @@
           <p:cNvPr id="3" name="Content Placeholder 2">
             <a:extLst>
               <a:ext uri="{FF2B5EF4-FFF2-40B4-BE49-F238E27FC236}">
-                <a16:creationId xmlns:a16="http://schemas.microsoft.com/office/drawing/2014/main" xmlns="" id="{DD559ED7-2E6A-4EA5-AF17-911629B96F30}"/>
+                <a16:creationId xmlns="" xmlns:a16="http://schemas.microsoft.com/office/drawing/2014/main" id="{DD559ED7-2E6A-4EA5-AF17-911629B96F30}"/>
               </a:ext>
             </a:extLst>
           </p:cNvPr>
@@ -7183,7 +7183,7 @@
           <p:cNvPr id="2" name="Title 1">
             <a:extLst>
               <a:ext uri="{FF2B5EF4-FFF2-40B4-BE49-F238E27FC236}">
-                <a16:creationId xmlns:a16="http://schemas.microsoft.com/office/drawing/2014/main" xmlns="" id="{0806F207-F1DF-4492-BF83-8D3D64C736EB}"/>
+                <a16:creationId xmlns="" xmlns:a16="http://schemas.microsoft.com/office/drawing/2014/main" id="{0806F207-F1DF-4492-BF83-8D3D64C736EB}"/>
               </a:ext>
             </a:extLst>
           </p:cNvPr>
@@ -7241,7 +7241,7 @@
           <p:cNvPr id="2" name="Title 1">
             <a:extLst>
               <a:ext uri="{FF2B5EF4-FFF2-40B4-BE49-F238E27FC236}">
-                <a16:creationId xmlns:a16="http://schemas.microsoft.com/office/drawing/2014/main" xmlns="" id="{417A3429-172C-4D0E-8F9C-A2A537A71797}"/>
+                <a16:creationId xmlns="" xmlns:a16="http://schemas.microsoft.com/office/drawing/2014/main" id="{417A3429-172C-4D0E-8F9C-A2A537A71797}"/>
               </a:ext>
             </a:extLst>
           </p:cNvPr>
@@ -7269,7 +7269,7 @@
           <p:cNvPr id="3" name="Content Placeholder 2">
             <a:extLst>
               <a:ext uri="{FF2B5EF4-FFF2-40B4-BE49-F238E27FC236}">
-                <a16:creationId xmlns:a16="http://schemas.microsoft.com/office/drawing/2014/main" xmlns="" id="{26D422A7-4D2A-4C6B-9268-58F21EBEA9B5}"/>
+                <a16:creationId xmlns="" xmlns:a16="http://schemas.microsoft.com/office/drawing/2014/main" id="{26D422A7-4D2A-4C6B-9268-58F21EBEA9B5}"/>
               </a:ext>
             </a:extLst>
           </p:cNvPr>
@@ -7404,7 +7404,7 @@
           <p:cNvPr id="2" name="Title 1">
             <a:extLst>
               <a:ext uri="{FF2B5EF4-FFF2-40B4-BE49-F238E27FC236}">
-                <a16:creationId xmlns:a16="http://schemas.microsoft.com/office/drawing/2014/main" xmlns="" id="{8C7BEDB4-206B-4446-AA4B-B97FE760DF25}"/>
+                <a16:creationId xmlns="" xmlns:a16="http://schemas.microsoft.com/office/drawing/2014/main" id="{8C7BEDB4-206B-4446-AA4B-B97FE760DF25}"/>
               </a:ext>
             </a:extLst>
           </p:cNvPr>
@@ -7432,7 +7432,7 @@
           <p:cNvPr id="3" name="Content Placeholder 2">
             <a:extLst>
               <a:ext uri="{FF2B5EF4-FFF2-40B4-BE49-F238E27FC236}">
-                <a16:creationId xmlns:a16="http://schemas.microsoft.com/office/drawing/2014/main" xmlns="" id="{F5744FB3-AF2A-4AC5-AFF3-928D9148BD0E}"/>
+                <a16:creationId xmlns="" xmlns:a16="http://schemas.microsoft.com/office/drawing/2014/main" id="{F5744FB3-AF2A-4AC5-AFF3-928D9148BD0E}"/>
               </a:ext>
             </a:extLst>
           </p:cNvPr>
@@ -7571,7 +7571,7 @@
           <p:cNvPr id="2" name="Title 1">
             <a:extLst>
               <a:ext uri="{FF2B5EF4-FFF2-40B4-BE49-F238E27FC236}">
-                <a16:creationId xmlns:a16="http://schemas.microsoft.com/office/drawing/2014/main" xmlns="" id="{9FF919FD-04CB-46CA-B667-D191C25FD205}"/>
+                <a16:creationId xmlns="" xmlns:a16="http://schemas.microsoft.com/office/drawing/2014/main" id="{9FF919FD-04CB-46CA-B667-D191C25FD205}"/>
               </a:ext>
             </a:extLst>
           </p:cNvPr>
@@ -7605,7 +7605,7 @@
           <p:cNvPr id="5" name="Content Placeholder 4">
             <a:extLst>
               <a:ext uri="{FF2B5EF4-FFF2-40B4-BE49-F238E27FC236}">
-                <a16:creationId xmlns:a16="http://schemas.microsoft.com/office/drawing/2014/main" xmlns="" id="{1D276F72-43E3-4345-BADA-65A2EE27FE1D}"/>
+                <a16:creationId xmlns="" xmlns:a16="http://schemas.microsoft.com/office/drawing/2014/main" id="{1D276F72-43E3-4345-BADA-65A2EE27FE1D}"/>
               </a:ext>
             </a:extLst>
           </p:cNvPr>
@@ -7635,14 +7635,14 @@
                 <a:gridCol w="4258340">
                   <a:extLst>
                     <a:ext uri="{9D8B030D-6E8A-4147-A177-3AD203B41FA5}">
-                      <a16:colId xmlns:a16="http://schemas.microsoft.com/office/drawing/2014/main" xmlns="" val="2315659832"/>
+                      <a16:colId xmlns="" xmlns:a16="http://schemas.microsoft.com/office/drawing/2014/main" val="2315659832"/>
                     </a:ext>
                   </a:extLst>
                 </a:gridCol>
                 <a:gridCol w="4258340">
                   <a:extLst>
                     <a:ext uri="{9D8B030D-6E8A-4147-A177-3AD203B41FA5}">
-                      <a16:colId xmlns:a16="http://schemas.microsoft.com/office/drawing/2014/main" xmlns="" val="4161126512"/>
+                      <a16:colId xmlns="" xmlns:a16="http://schemas.microsoft.com/office/drawing/2014/main" val="4161126512"/>
                     </a:ext>
                   </a:extLst>
                 </a:gridCol>
@@ -7720,7 +7720,7 @@
                 </a:tc>
                 <a:extLst>
                   <a:ext uri="{0D108BD9-81ED-4DB2-BD59-A6C34878D82A}">
-                    <a16:rowId xmlns:a16="http://schemas.microsoft.com/office/drawing/2014/main" xmlns="" val="2278764285"/>
+                    <a16:rowId xmlns="" xmlns:a16="http://schemas.microsoft.com/office/drawing/2014/main" val="2278764285"/>
                   </a:ext>
                 </a:extLst>
               </a:tr>
@@ -7810,7 +7810,7 @@
                 </a:tc>
                 <a:extLst>
                   <a:ext uri="{0D108BD9-81ED-4DB2-BD59-A6C34878D82A}">
-                    <a16:rowId xmlns:a16="http://schemas.microsoft.com/office/drawing/2014/main" xmlns="" val="2196558873"/>
+                    <a16:rowId xmlns="" xmlns:a16="http://schemas.microsoft.com/office/drawing/2014/main" val="2196558873"/>
                   </a:ext>
                 </a:extLst>
               </a:tr>
@@ -7900,7 +7900,7 @@
                 </a:tc>
                 <a:extLst>
                   <a:ext uri="{0D108BD9-81ED-4DB2-BD59-A6C34878D82A}">
-                    <a16:rowId xmlns:a16="http://schemas.microsoft.com/office/drawing/2014/main" xmlns="" val="3500724014"/>
+                    <a16:rowId xmlns="" xmlns:a16="http://schemas.microsoft.com/office/drawing/2014/main" val="3500724014"/>
                   </a:ext>
                 </a:extLst>
               </a:tr>
@@ -8038,7 +8038,7 @@
                 </a:tc>
                 <a:extLst>
                   <a:ext uri="{0D108BD9-81ED-4DB2-BD59-A6C34878D82A}">
-                    <a16:rowId xmlns:a16="http://schemas.microsoft.com/office/drawing/2014/main" xmlns="" val="244601528"/>
+                    <a16:rowId xmlns="" xmlns:a16="http://schemas.microsoft.com/office/drawing/2014/main" val="244601528"/>
                   </a:ext>
                 </a:extLst>
               </a:tr>
@@ -8149,7 +8149,7 @@
                 </a:tc>
                 <a:extLst>
                   <a:ext uri="{0D108BD9-81ED-4DB2-BD59-A6C34878D82A}">
-                    <a16:rowId xmlns:a16="http://schemas.microsoft.com/office/drawing/2014/main" xmlns="" val="35086479"/>
+                    <a16:rowId xmlns="" xmlns:a16="http://schemas.microsoft.com/office/drawing/2014/main" val="35086479"/>
                   </a:ext>
                 </a:extLst>
               </a:tr>
@@ -8192,7 +8192,7 @@
           <p:cNvPr id="2" name="Title 1">
             <a:extLst>
               <a:ext uri="{FF2B5EF4-FFF2-40B4-BE49-F238E27FC236}">
-                <a16:creationId xmlns:a16="http://schemas.microsoft.com/office/drawing/2014/main" xmlns="" id="{020CBA32-4561-4C72-90A3-951C08CBE747}"/>
+                <a16:creationId xmlns="" xmlns:a16="http://schemas.microsoft.com/office/drawing/2014/main" id="{020CBA32-4561-4C72-90A3-951C08CBE747}"/>
               </a:ext>
             </a:extLst>
           </p:cNvPr>
@@ -8250,7 +8250,7 @@
           <p:cNvPr id="2" name="Title 1">
             <a:extLst>
               <a:ext uri="{FF2B5EF4-FFF2-40B4-BE49-F238E27FC236}">
-                <a16:creationId xmlns:a16="http://schemas.microsoft.com/office/drawing/2014/main" xmlns="" id="{1D4D2E4D-BA70-48FD-87FE-56BEE3DDDD9B}"/>
+                <a16:creationId xmlns="" xmlns:a16="http://schemas.microsoft.com/office/drawing/2014/main" id="{1D4D2E4D-BA70-48FD-87FE-56BEE3DDDD9B}"/>
               </a:ext>
             </a:extLst>
           </p:cNvPr>
@@ -8278,7 +8278,7 @@
           <p:cNvPr id="3" name="Content Placeholder 2">
             <a:extLst>
               <a:ext uri="{FF2B5EF4-FFF2-40B4-BE49-F238E27FC236}">
-                <a16:creationId xmlns:a16="http://schemas.microsoft.com/office/drawing/2014/main" xmlns="" id="{2D33DA95-3E0D-4501-A9E4-DF1A0120DC96}"/>
+                <a16:creationId xmlns="" xmlns:a16="http://schemas.microsoft.com/office/drawing/2014/main" id="{2D33DA95-3E0D-4501-A9E4-DF1A0120DC96}"/>
               </a:ext>
             </a:extLst>
           </p:cNvPr>
@@ -8393,7 +8393,7 @@
           <p:cNvPr id="2" name="Title 1">
             <a:extLst>
               <a:ext uri="{FF2B5EF4-FFF2-40B4-BE49-F238E27FC236}">
-                <a16:creationId xmlns:a16="http://schemas.microsoft.com/office/drawing/2014/main" xmlns="" id="{89CD26F0-9D28-4362-8B6C-B64181BE78FB}"/>
+                <a16:creationId xmlns="" xmlns:a16="http://schemas.microsoft.com/office/drawing/2014/main" id="{89CD26F0-9D28-4362-8B6C-B64181BE78FB}"/>
               </a:ext>
             </a:extLst>
           </p:cNvPr>
@@ -8421,7 +8421,7 @@
           <p:cNvPr id="3" name="Content Placeholder 2">
             <a:extLst>
               <a:ext uri="{FF2B5EF4-FFF2-40B4-BE49-F238E27FC236}">
-                <a16:creationId xmlns:a16="http://schemas.microsoft.com/office/drawing/2014/main" xmlns="" id="{F8B3B345-A42D-48DE-9B7F-948C214878A0}"/>
+                <a16:creationId xmlns="" xmlns:a16="http://schemas.microsoft.com/office/drawing/2014/main" id="{F8B3B345-A42D-48DE-9B7F-948C214878A0}"/>
               </a:ext>
             </a:extLst>
           </p:cNvPr>
@@ -8548,7 +8548,7 @@
           <p:cNvPr id="2" name="Title 1">
             <a:extLst>
               <a:ext uri="{FF2B5EF4-FFF2-40B4-BE49-F238E27FC236}">
-                <a16:creationId xmlns:a16="http://schemas.microsoft.com/office/drawing/2014/main" xmlns="" id="{5397C029-4413-42ED-9A07-F1F8C5589B8B}"/>
+                <a16:creationId xmlns="" xmlns:a16="http://schemas.microsoft.com/office/drawing/2014/main" id="{5397C029-4413-42ED-9A07-F1F8C5589B8B}"/>
               </a:ext>
             </a:extLst>
           </p:cNvPr>
@@ -8576,7 +8576,7 @@
           <p:cNvPr id="3" name="Content Placeholder 2">
             <a:extLst>
               <a:ext uri="{FF2B5EF4-FFF2-40B4-BE49-F238E27FC236}">
-                <a16:creationId xmlns:a16="http://schemas.microsoft.com/office/drawing/2014/main" xmlns="" id="{11FC6B01-2DD0-4A90-A019-88D181FD6BD4}"/>
+                <a16:creationId xmlns="" xmlns:a16="http://schemas.microsoft.com/office/drawing/2014/main" id="{11FC6B01-2DD0-4A90-A019-88D181FD6BD4}"/>
               </a:ext>
             </a:extLst>
           </p:cNvPr>
@@ -8685,7 +8685,7 @@
           <p:cNvPr id="2" name="Title 1">
             <a:extLst>
               <a:ext uri="{FF2B5EF4-FFF2-40B4-BE49-F238E27FC236}">
-                <a16:creationId xmlns:a16="http://schemas.microsoft.com/office/drawing/2014/main" xmlns="" id="{C631021F-6AA4-43CC-AEC5-D6578AE998F8}"/>
+                <a16:creationId xmlns="" xmlns:a16="http://schemas.microsoft.com/office/drawing/2014/main" id="{C631021F-6AA4-43CC-AEC5-D6578AE998F8}"/>
               </a:ext>
             </a:extLst>
           </p:cNvPr>
@@ -8719,7 +8719,7 @@
           <p:cNvPr id="4" name="Content Placeholder 3">
             <a:extLst>
               <a:ext uri="{FF2B5EF4-FFF2-40B4-BE49-F238E27FC236}">
-                <a16:creationId xmlns:a16="http://schemas.microsoft.com/office/drawing/2014/main" xmlns="" id="{0798419D-4ADE-4D15-9143-7533B863D947}"/>
+                <a16:creationId xmlns="" xmlns:a16="http://schemas.microsoft.com/office/drawing/2014/main" id="{0798419D-4ADE-4D15-9143-7533B863D947}"/>
               </a:ext>
             </a:extLst>
           </p:cNvPr>
@@ -8745,14 +8745,14 @@
                 <a:gridCol w="4178596">
                   <a:extLst>
                     <a:ext uri="{9D8B030D-6E8A-4147-A177-3AD203B41FA5}">
-                      <a16:colId xmlns:a16="http://schemas.microsoft.com/office/drawing/2014/main" xmlns="" val="2675094539"/>
+                      <a16:colId xmlns="" xmlns:a16="http://schemas.microsoft.com/office/drawing/2014/main" val="2675094539"/>
                     </a:ext>
                   </a:extLst>
                 </a:gridCol>
                 <a:gridCol w="4178596">
                   <a:extLst>
                     <a:ext uri="{9D8B030D-6E8A-4147-A177-3AD203B41FA5}">
-                      <a16:colId xmlns:a16="http://schemas.microsoft.com/office/drawing/2014/main" xmlns="" val="341750211"/>
+                      <a16:colId xmlns="" xmlns:a16="http://schemas.microsoft.com/office/drawing/2014/main" val="341750211"/>
                     </a:ext>
                   </a:extLst>
                 </a:gridCol>
@@ -8830,7 +8830,7 @@
                 </a:tc>
                 <a:extLst>
                   <a:ext uri="{0D108BD9-81ED-4DB2-BD59-A6C34878D82A}">
-                    <a16:rowId xmlns:a16="http://schemas.microsoft.com/office/drawing/2014/main" xmlns="" val="775393179"/>
+                    <a16:rowId xmlns="" xmlns:a16="http://schemas.microsoft.com/office/drawing/2014/main" val="775393179"/>
                   </a:ext>
                 </a:extLst>
               </a:tr>
@@ -8914,7 +8914,7 @@
                 </a:tc>
                 <a:extLst>
                   <a:ext uri="{0D108BD9-81ED-4DB2-BD59-A6C34878D82A}">
-                    <a16:rowId xmlns:a16="http://schemas.microsoft.com/office/drawing/2014/main" xmlns="" val="2200277291"/>
+                    <a16:rowId xmlns="" xmlns:a16="http://schemas.microsoft.com/office/drawing/2014/main" val="2200277291"/>
                   </a:ext>
                 </a:extLst>
               </a:tr>
@@ -8998,7 +8998,7 @@
                 </a:tc>
                 <a:extLst>
                   <a:ext uri="{0D108BD9-81ED-4DB2-BD59-A6C34878D82A}">
-                    <a16:rowId xmlns:a16="http://schemas.microsoft.com/office/drawing/2014/main" xmlns="" val="3480962632"/>
+                    <a16:rowId xmlns="" xmlns:a16="http://schemas.microsoft.com/office/drawing/2014/main" val="3480962632"/>
                   </a:ext>
                 </a:extLst>
               </a:tr>
@@ -9082,7 +9082,7 @@
                 </a:tc>
                 <a:extLst>
                   <a:ext uri="{0D108BD9-81ED-4DB2-BD59-A6C34878D82A}">
-                    <a16:rowId xmlns:a16="http://schemas.microsoft.com/office/drawing/2014/main" xmlns="" val="1951627959"/>
+                    <a16:rowId xmlns="" xmlns:a16="http://schemas.microsoft.com/office/drawing/2014/main" val="1951627959"/>
                   </a:ext>
                 </a:extLst>
               </a:tr>
@@ -9187,7 +9187,7 @@
                 </a:tc>
                 <a:extLst>
                   <a:ext uri="{0D108BD9-81ED-4DB2-BD59-A6C34878D82A}">
-                    <a16:rowId xmlns:a16="http://schemas.microsoft.com/office/drawing/2014/main" xmlns="" val="845100811"/>
+                    <a16:rowId xmlns="" xmlns:a16="http://schemas.microsoft.com/office/drawing/2014/main" val="845100811"/>
                   </a:ext>
                 </a:extLst>
               </a:tr>
@@ -9271,7 +9271,7 @@
                 </a:tc>
                 <a:extLst>
                   <a:ext uri="{0D108BD9-81ED-4DB2-BD59-A6C34878D82A}">
-                    <a16:rowId xmlns:a16="http://schemas.microsoft.com/office/drawing/2014/main" xmlns="" val="2401026641"/>
+                    <a16:rowId xmlns="" xmlns:a16="http://schemas.microsoft.com/office/drawing/2014/main" val="2401026641"/>
                   </a:ext>
                 </a:extLst>
               </a:tr>
@@ -9355,7 +9355,7 @@
                 </a:tc>
                 <a:extLst>
                   <a:ext uri="{0D108BD9-81ED-4DB2-BD59-A6C34878D82A}">
-                    <a16:rowId xmlns:a16="http://schemas.microsoft.com/office/drawing/2014/main" xmlns="" val="2796925857"/>
+                    <a16:rowId xmlns="" xmlns:a16="http://schemas.microsoft.com/office/drawing/2014/main" val="2796925857"/>
                   </a:ext>
                 </a:extLst>
               </a:tr>
@@ -9460,7 +9460,7 @@
                 </a:tc>
                 <a:extLst>
                   <a:ext uri="{0D108BD9-81ED-4DB2-BD59-A6C34878D82A}">
-                    <a16:rowId xmlns:a16="http://schemas.microsoft.com/office/drawing/2014/main" xmlns="" val="2623319116"/>
+                    <a16:rowId xmlns="" xmlns:a16="http://schemas.microsoft.com/office/drawing/2014/main" val="2623319116"/>
                   </a:ext>
                 </a:extLst>
               </a:tr>
@@ -9612,7 +9612,7 @@
           <p:cNvPr id="2" name="Title 1">
             <a:extLst>
               <a:ext uri="{FF2B5EF4-FFF2-40B4-BE49-F238E27FC236}">
-                <a16:creationId xmlns:a16="http://schemas.microsoft.com/office/drawing/2014/main" xmlns="" id="{9CC9E234-B0C8-47C2-9AFC-5A0779DD4BB9}"/>
+                <a16:creationId xmlns="" xmlns:a16="http://schemas.microsoft.com/office/drawing/2014/main" id="{9CC9E234-B0C8-47C2-9AFC-5A0779DD4BB9}"/>
               </a:ext>
             </a:extLst>
           </p:cNvPr>
@@ -9670,7 +9670,7 @@
           <p:cNvPr id="2" name="Title 1">
             <a:extLst>
               <a:ext uri="{FF2B5EF4-FFF2-40B4-BE49-F238E27FC236}">
-                <a16:creationId xmlns:a16="http://schemas.microsoft.com/office/drawing/2014/main" xmlns="" id="{4632AEFB-69B5-404A-BF1A-B0317BD5DAE6}"/>
+                <a16:creationId xmlns="" xmlns:a16="http://schemas.microsoft.com/office/drawing/2014/main" id="{4632AEFB-69B5-404A-BF1A-B0317BD5DAE6}"/>
               </a:ext>
             </a:extLst>
           </p:cNvPr>
@@ -9698,7 +9698,7 @@
           <p:cNvPr id="3" name="Content Placeholder 2">
             <a:extLst>
               <a:ext uri="{FF2B5EF4-FFF2-40B4-BE49-F238E27FC236}">
-                <a16:creationId xmlns:a16="http://schemas.microsoft.com/office/drawing/2014/main" xmlns="" id="{B9255892-B1BE-4F6A-B926-B5A6C101E0BF}"/>
+                <a16:creationId xmlns="" xmlns:a16="http://schemas.microsoft.com/office/drawing/2014/main" id="{B9255892-B1BE-4F6A-B926-B5A6C101E0BF}"/>
               </a:ext>
             </a:extLst>
           </p:cNvPr>
@@ -9837,7 +9837,7 @@
           <p:cNvPr id="2" name="Title 1">
             <a:extLst>
               <a:ext uri="{FF2B5EF4-FFF2-40B4-BE49-F238E27FC236}">
-                <a16:creationId xmlns:a16="http://schemas.microsoft.com/office/drawing/2014/main" xmlns="" id="{24336E3E-C665-498B-9406-B9B33EECE024}"/>
+                <a16:creationId xmlns="" xmlns:a16="http://schemas.microsoft.com/office/drawing/2014/main" id="{24336E3E-C665-498B-9406-B9B33EECE024}"/>
               </a:ext>
             </a:extLst>
           </p:cNvPr>
@@ -9865,7 +9865,7 @@
           <p:cNvPr id="3" name="Content Placeholder 2">
             <a:extLst>
               <a:ext uri="{FF2B5EF4-FFF2-40B4-BE49-F238E27FC236}">
-                <a16:creationId xmlns:a16="http://schemas.microsoft.com/office/drawing/2014/main" xmlns="" id="{3D0C108C-7D27-47A7-9ABA-85D54D3D2B8C}"/>
+                <a16:creationId xmlns="" xmlns:a16="http://schemas.microsoft.com/office/drawing/2014/main" id="{3D0C108C-7D27-47A7-9ABA-85D54D3D2B8C}"/>
               </a:ext>
             </a:extLst>
           </p:cNvPr>
@@ -9980,7 +9980,7 @@
           <p:cNvPr id="2" name="Title 1">
             <a:extLst>
               <a:ext uri="{FF2B5EF4-FFF2-40B4-BE49-F238E27FC236}">
-                <a16:creationId xmlns:a16="http://schemas.microsoft.com/office/drawing/2014/main" xmlns="" id="{C631021F-6AA4-43CC-AEC5-D6578AE998F8}"/>
+                <a16:creationId xmlns="" xmlns:a16="http://schemas.microsoft.com/office/drawing/2014/main" id="{C631021F-6AA4-43CC-AEC5-D6578AE998F8}"/>
               </a:ext>
             </a:extLst>
           </p:cNvPr>
@@ -10014,7 +10014,7 @@
           <p:cNvPr id="6" name="Content Placeholder 5">
             <a:extLst>
               <a:ext uri="{FF2B5EF4-FFF2-40B4-BE49-F238E27FC236}">
-                <a16:creationId xmlns:a16="http://schemas.microsoft.com/office/drawing/2014/main" xmlns="" id="{C648F6D5-4B47-46CD-ADC1-32EA408B03AB}"/>
+                <a16:creationId xmlns="" xmlns:a16="http://schemas.microsoft.com/office/drawing/2014/main" id="{C648F6D5-4B47-46CD-ADC1-32EA408B03AB}"/>
               </a:ext>
             </a:extLst>
           </p:cNvPr>
@@ -10044,14 +10044,14 @@
                 <a:gridCol w="4279605">
                   <a:extLst>
                     <a:ext uri="{9D8B030D-6E8A-4147-A177-3AD203B41FA5}">
-                      <a16:colId xmlns:a16="http://schemas.microsoft.com/office/drawing/2014/main" xmlns="" val="3452439591"/>
+                      <a16:colId xmlns="" xmlns:a16="http://schemas.microsoft.com/office/drawing/2014/main" val="3452439591"/>
                     </a:ext>
                   </a:extLst>
                 </a:gridCol>
                 <a:gridCol w="4279605">
                   <a:extLst>
                     <a:ext uri="{9D8B030D-6E8A-4147-A177-3AD203B41FA5}">
-                      <a16:colId xmlns:a16="http://schemas.microsoft.com/office/drawing/2014/main" xmlns="" val="4185120938"/>
+                      <a16:colId xmlns="" xmlns:a16="http://schemas.microsoft.com/office/drawing/2014/main" val="4185120938"/>
                     </a:ext>
                   </a:extLst>
                 </a:gridCol>
@@ -10129,7 +10129,7 @@
                 </a:tc>
                 <a:extLst>
                   <a:ext uri="{0D108BD9-81ED-4DB2-BD59-A6C34878D82A}">
-                    <a16:rowId xmlns:a16="http://schemas.microsoft.com/office/drawing/2014/main" xmlns="" val="3062491079"/>
+                    <a16:rowId xmlns="" xmlns:a16="http://schemas.microsoft.com/office/drawing/2014/main" val="3062491079"/>
                   </a:ext>
                 </a:extLst>
               </a:tr>
@@ -10219,7 +10219,7 @@
                 </a:tc>
                 <a:extLst>
                   <a:ext uri="{0D108BD9-81ED-4DB2-BD59-A6C34878D82A}">
-                    <a16:rowId xmlns:a16="http://schemas.microsoft.com/office/drawing/2014/main" xmlns="" val="2039111959"/>
+                    <a16:rowId xmlns="" xmlns:a16="http://schemas.microsoft.com/office/drawing/2014/main" val="2039111959"/>
                   </a:ext>
                 </a:extLst>
               </a:tr>
@@ -10372,7 +10372,7 @@
                 </a:tc>
                 <a:extLst>
                   <a:ext uri="{0D108BD9-81ED-4DB2-BD59-A6C34878D82A}">
-                    <a16:rowId xmlns:a16="http://schemas.microsoft.com/office/drawing/2014/main" xmlns="" val="3488035664"/>
+                    <a16:rowId xmlns="" xmlns:a16="http://schemas.microsoft.com/office/drawing/2014/main" val="3488035664"/>
                   </a:ext>
                 </a:extLst>
               </a:tr>
@@ -10462,7 +10462,7 @@
                 </a:tc>
                 <a:extLst>
                   <a:ext uri="{0D108BD9-81ED-4DB2-BD59-A6C34878D82A}">
-                    <a16:rowId xmlns:a16="http://schemas.microsoft.com/office/drawing/2014/main" xmlns="" val="2680798060"/>
+                    <a16:rowId xmlns="" xmlns:a16="http://schemas.microsoft.com/office/drawing/2014/main" val="2680798060"/>
                   </a:ext>
                 </a:extLst>
               </a:tr>
@@ -10505,7 +10505,7 @@
           <p:cNvPr id="2" name="Title 1">
             <a:extLst>
               <a:ext uri="{FF2B5EF4-FFF2-40B4-BE49-F238E27FC236}">
-                <a16:creationId xmlns:a16="http://schemas.microsoft.com/office/drawing/2014/main" xmlns="" id="{2405760F-4DD3-42F1-B6FB-33654D5ED671}"/>
+                <a16:creationId xmlns="" xmlns:a16="http://schemas.microsoft.com/office/drawing/2014/main" id="{2405760F-4DD3-42F1-B6FB-33654D5ED671}"/>
               </a:ext>
             </a:extLst>
           </p:cNvPr>
@@ -10533,7 +10533,7 @@
           <p:cNvPr id="3" name="Subtitle 2">
             <a:extLst>
               <a:ext uri="{FF2B5EF4-FFF2-40B4-BE49-F238E27FC236}">
-                <a16:creationId xmlns:a16="http://schemas.microsoft.com/office/drawing/2014/main" xmlns="" id="{B237A572-37BD-45DF-912F-4061C4FF10FD}"/>
+                <a16:creationId xmlns="" xmlns:a16="http://schemas.microsoft.com/office/drawing/2014/main" id="{B237A572-37BD-45DF-912F-4061C4FF10FD}"/>
               </a:ext>
             </a:extLst>
           </p:cNvPr>
@@ -10599,7 +10599,7 @@
           <p:cNvPr id="2" name="Title 1">
             <a:extLst>
               <a:ext uri="{FF2B5EF4-FFF2-40B4-BE49-F238E27FC236}">
-                <a16:creationId xmlns:a16="http://schemas.microsoft.com/office/drawing/2014/main" xmlns="" id="{256C43DC-7101-4A38-8F30-C6B352679AEE}"/>
+                <a16:creationId xmlns="" xmlns:a16="http://schemas.microsoft.com/office/drawing/2014/main" id="{256C43DC-7101-4A38-8F30-C6B352679AEE}"/>
               </a:ext>
             </a:extLst>
           </p:cNvPr>
@@ -10627,7 +10627,7 @@
           <p:cNvPr id="3" name="Content Placeholder 2">
             <a:extLst>
               <a:ext uri="{FF2B5EF4-FFF2-40B4-BE49-F238E27FC236}">
-                <a16:creationId xmlns:a16="http://schemas.microsoft.com/office/drawing/2014/main" xmlns="" id="{82749E27-A6A9-4A42-829F-574D7AF5F448}"/>
+                <a16:creationId xmlns="" xmlns:a16="http://schemas.microsoft.com/office/drawing/2014/main" id="{82749E27-A6A9-4A42-829F-574D7AF5F448}"/>
               </a:ext>
             </a:extLst>
           </p:cNvPr>
@@ -10727,7 +10727,7 @@
           <p:cNvPr id="2" name="Title 1">
             <a:extLst>
               <a:ext uri="{FF2B5EF4-FFF2-40B4-BE49-F238E27FC236}">
-                <a16:creationId xmlns:a16="http://schemas.microsoft.com/office/drawing/2014/main" xmlns="" id="{530B0EC5-236D-4BA9-92C7-49C3947F43A6}"/>
+                <a16:creationId xmlns="" xmlns:a16="http://schemas.microsoft.com/office/drawing/2014/main" id="{530B0EC5-236D-4BA9-92C7-49C3947F43A6}"/>
               </a:ext>
             </a:extLst>
           </p:cNvPr>
@@ -10755,7 +10755,7 @@
           <p:cNvPr id="3" name="Content Placeholder 2">
             <a:extLst>
               <a:ext uri="{FF2B5EF4-FFF2-40B4-BE49-F238E27FC236}">
-                <a16:creationId xmlns:a16="http://schemas.microsoft.com/office/drawing/2014/main" xmlns="" id="{F2AE9DA4-F468-4ABF-B8CB-89D4C7A35D17}"/>
+                <a16:creationId xmlns="" xmlns:a16="http://schemas.microsoft.com/office/drawing/2014/main" id="{F2AE9DA4-F468-4ABF-B8CB-89D4C7A35D17}"/>
               </a:ext>
             </a:extLst>
           </p:cNvPr>
@@ -10837,7 +10837,7 @@
           <p:cNvPr id="2" name="Title 1">
             <a:extLst>
               <a:ext uri="{FF2B5EF4-FFF2-40B4-BE49-F238E27FC236}">
-                <a16:creationId xmlns:a16="http://schemas.microsoft.com/office/drawing/2014/main" xmlns="" id="{9C08F0C8-D4BF-43B7-B9F4-E0F526A36E56}"/>
+                <a16:creationId xmlns="" xmlns:a16="http://schemas.microsoft.com/office/drawing/2014/main" id="{9C08F0C8-D4BF-43B7-B9F4-E0F526A36E56}"/>
               </a:ext>
             </a:extLst>
           </p:cNvPr>
@@ -10865,7 +10865,7 @@
           <p:cNvPr id="3" name="Content Placeholder 2">
             <a:extLst>
               <a:ext uri="{FF2B5EF4-FFF2-40B4-BE49-F238E27FC236}">
-                <a16:creationId xmlns:a16="http://schemas.microsoft.com/office/drawing/2014/main" xmlns="" id="{057384BE-87FC-4B03-BB63-1C278C6EF4B0}"/>
+                <a16:creationId xmlns="" xmlns:a16="http://schemas.microsoft.com/office/drawing/2014/main" id="{057384BE-87FC-4B03-BB63-1C278C6EF4B0}"/>
               </a:ext>
             </a:extLst>
           </p:cNvPr>
@@ -10980,7 +10980,7 @@
           <p:cNvPr id="2" name="Title 1">
             <a:extLst>
               <a:ext uri="{FF2B5EF4-FFF2-40B4-BE49-F238E27FC236}">
-                <a16:creationId xmlns:a16="http://schemas.microsoft.com/office/drawing/2014/main" xmlns="" id="{31536071-8BB0-40B9-A752-D9038FAC903F}"/>
+                <a16:creationId xmlns="" xmlns:a16="http://schemas.microsoft.com/office/drawing/2014/main" id="{31536071-8BB0-40B9-A752-D9038FAC903F}"/>
               </a:ext>
             </a:extLst>
           </p:cNvPr>
@@ -11008,7 +11008,7 @@
           <p:cNvPr id="3" name="Content Placeholder 2">
             <a:extLst>
               <a:ext uri="{FF2B5EF4-FFF2-40B4-BE49-F238E27FC236}">
-                <a16:creationId xmlns:a16="http://schemas.microsoft.com/office/drawing/2014/main" xmlns="" id="{A333D2AB-186B-482E-BE7C-2CF80115E82D}"/>
+                <a16:creationId xmlns="" xmlns:a16="http://schemas.microsoft.com/office/drawing/2014/main" id="{A333D2AB-186B-482E-BE7C-2CF80115E82D}"/>
               </a:ext>
             </a:extLst>
           </p:cNvPr>
@@ -11313,7 +11313,7 @@
           <p:cNvPr id="2" name="Title 1">
             <a:extLst>
               <a:ext uri="{FF2B5EF4-FFF2-40B4-BE49-F238E27FC236}">
-                <a16:creationId xmlns:a16="http://schemas.microsoft.com/office/drawing/2014/main" xmlns="" id="{E9B6AF24-832D-4C6C-A092-72B1E501FCF2}"/>
+                <a16:creationId xmlns="" xmlns:a16="http://schemas.microsoft.com/office/drawing/2014/main" id="{E9B6AF24-832D-4C6C-A092-72B1E501FCF2}"/>
               </a:ext>
             </a:extLst>
           </p:cNvPr>
@@ -11348,7 +11348,7 @@
           <p:cNvPr id="3" name="Content Placeholder 2">
             <a:extLst>
               <a:ext uri="{FF2B5EF4-FFF2-40B4-BE49-F238E27FC236}">
-                <a16:creationId xmlns:a16="http://schemas.microsoft.com/office/drawing/2014/main" xmlns="" id="{0A024007-CC1F-4B3B-9776-6246DB696E61}"/>
+                <a16:creationId xmlns="" xmlns:a16="http://schemas.microsoft.com/office/drawing/2014/main" id="{0A024007-CC1F-4B3B-9776-6246DB696E61}"/>
               </a:ext>
             </a:extLst>
           </p:cNvPr>
@@ -11529,7 +11529,7 @@
           <p:cNvPr id="2" name="Title 1">
             <a:extLst>
               <a:ext uri="{FF2B5EF4-FFF2-40B4-BE49-F238E27FC236}">
-                <a16:creationId xmlns:a16="http://schemas.microsoft.com/office/drawing/2014/main" xmlns="" id="{E9B6AF24-832D-4C6C-A092-72B1E501FCF2}"/>
+                <a16:creationId xmlns="" xmlns:a16="http://schemas.microsoft.com/office/drawing/2014/main" id="{E9B6AF24-832D-4C6C-A092-72B1E501FCF2}"/>
               </a:ext>
             </a:extLst>
           </p:cNvPr>
@@ -11574,7 +11574,7 @@
           <p:cNvPr id="3" name="Content Placeholder 2">
             <a:extLst>
               <a:ext uri="{FF2B5EF4-FFF2-40B4-BE49-F238E27FC236}">
-                <a16:creationId xmlns:a16="http://schemas.microsoft.com/office/drawing/2014/main" xmlns="" id="{0A024007-CC1F-4B3B-9776-6246DB696E61}"/>
+                <a16:creationId xmlns="" xmlns:a16="http://schemas.microsoft.com/office/drawing/2014/main" id="{0A024007-CC1F-4B3B-9776-6246DB696E61}"/>
               </a:ext>
             </a:extLst>
           </p:cNvPr>
@@ -11755,7 +11755,7 @@
           <p:cNvPr id="2" name="Title 1">
             <a:extLst>
               <a:ext uri="{FF2B5EF4-FFF2-40B4-BE49-F238E27FC236}">
-                <a16:creationId xmlns:a16="http://schemas.microsoft.com/office/drawing/2014/main" xmlns="" id="{D229CA11-7D61-4D11-A9DC-FD233A2B49DD}"/>
+                <a16:creationId xmlns="" xmlns:a16="http://schemas.microsoft.com/office/drawing/2014/main" id="{D229CA11-7D61-4D11-A9DC-FD233A2B49DD}"/>
               </a:ext>
             </a:extLst>
           </p:cNvPr>
@@ -11786,7 +11786,7 @@
           <p:cNvPr id="3" name="Content Placeholder 2">
             <a:extLst>
               <a:ext uri="{FF2B5EF4-FFF2-40B4-BE49-F238E27FC236}">
-                <a16:creationId xmlns:a16="http://schemas.microsoft.com/office/drawing/2014/main" xmlns="" id="{5EDF7428-30E7-4D3A-BD97-722D890A25EE}"/>
+                <a16:creationId xmlns="" xmlns:a16="http://schemas.microsoft.com/office/drawing/2014/main" id="{5EDF7428-30E7-4D3A-BD97-722D890A25EE}"/>
               </a:ext>
             </a:extLst>
           </p:cNvPr>
@@ -11854,7 +11854,7 @@
           <p:cNvPr id="2" name="Title 1">
             <a:extLst>
               <a:ext uri="{FF2B5EF4-FFF2-40B4-BE49-F238E27FC236}">
-                <a16:creationId xmlns:a16="http://schemas.microsoft.com/office/drawing/2014/main" xmlns="" id="{075A448E-3333-4217-9989-D28EB66BDEB0}"/>
+                <a16:creationId xmlns="" xmlns:a16="http://schemas.microsoft.com/office/drawing/2014/main" id="{075A448E-3333-4217-9989-D28EB66BDEB0}"/>
               </a:ext>
             </a:extLst>
           </p:cNvPr>
@@ -11889,7 +11889,7 @@
           <p:cNvPr id="3" name="Content Placeholder 2">
             <a:extLst>
               <a:ext uri="{FF2B5EF4-FFF2-40B4-BE49-F238E27FC236}">
-                <a16:creationId xmlns:a16="http://schemas.microsoft.com/office/drawing/2014/main" xmlns="" id="{DD323EF4-FE10-43FE-A8C3-C08FB5BF509E}"/>
+                <a16:creationId xmlns="" xmlns:a16="http://schemas.microsoft.com/office/drawing/2014/main" id="{DD323EF4-FE10-43FE-A8C3-C08FB5BF509E}"/>
               </a:ext>
             </a:extLst>
           </p:cNvPr>
@@ -11992,7 +11992,7 @@
           <p:cNvPr id="2" name="Title 1">
             <a:extLst>
               <a:ext uri="{FF2B5EF4-FFF2-40B4-BE49-F238E27FC236}">
-                <a16:creationId xmlns:a16="http://schemas.microsoft.com/office/drawing/2014/main" xmlns="" id="{18BCB5DB-9B0F-40B7-B3CA-62139B44ECA9}"/>
+                <a16:creationId xmlns="" xmlns:a16="http://schemas.microsoft.com/office/drawing/2014/main" id="{18BCB5DB-9B0F-40B7-B3CA-62139B44ECA9}"/>
               </a:ext>
             </a:extLst>
           </p:cNvPr>
@@ -12028,7 +12028,7 @@
           <p:cNvPr id="3" name="Content Placeholder 2">
             <a:extLst>
               <a:ext uri="{FF2B5EF4-FFF2-40B4-BE49-F238E27FC236}">
-                <a16:creationId xmlns:a16="http://schemas.microsoft.com/office/drawing/2014/main" xmlns="" id="{04FE551F-68AD-4C4E-A71C-9680CEEFD7B2}"/>
+                <a16:creationId xmlns="" xmlns:a16="http://schemas.microsoft.com/office/drawing/2014/main" id="{04FE551F-68AD-4C4E-A71C-9680CEEFD7B2}"/>
               </a:ext>
             </a:extLst>
           </p:cNvPr>
@@ -12096,7 +12096,7 @@
           <p:cNvPr id="2" name="Title 1">
             <a:extLst>
               <a:ext uri="{FF2B5EF4-FFF2-40B4-BE49-F238E27FC236}">
-                <a16:creationId xmlns:a16="http://schemas.microsoft.com/office/drawing/2014/main" xmlns="" id="{B235640A-9DF0-48C3-A602-09B1A0BF9C89}"/>
+                <a16:creationId xmlns="" xmlns:a16="http://schemas.microsoft.com/office/drawing/2014/main" id="{B235640A-9DF0-48C3-A602-09B1A0BF9C89}"/>
               </a:ext>
             </a:extLst>
           </p:cNvPr>
@@ -12131,7 +12131,7 @@
           <p:cNvPr id="3" name="Content Placeholder 2">
             <a:extLst>
               <a:ext uri="{FF2B5EF4-FFF2-40B4-BE49-F238E27FC236}">
-                <a16:creationId xmlns:a16="http://schemas.microsoft.com/office/drawing/2014/main" xmlns="" id="{06C787EE-472D-4094-BBB9-3DC366A8F581}"/>
+                <a16:creationId xmlns="" xmlns:a16="http://schemas.microsoft.com/office/drawing/2014/main" id="{06C787EE-472D-4094-BBB9-3DC366A8F581}"/>
               </a:ext>
             </a:extLst>
           </p:cNvPr>
@@ -12272,7 +12272,7 @@
           <p:cNvPr id="2" name="Title 1">
             <a:extLst>
               <a:ext uri="{FF2B5EF4-FFF2-40B4-BE49-F238E27FC236}">
-                <a16:creationId xmlns:a16="http://schemas.microsoft.com/office/drawing/2014/main" xmlns="" id="{18BCB5DB-9B0F-40B7-B3CA-62139B44ECA9}"/>
+                <a16:creationId xmlns="" xmlns:a16="http://schemas.microsoft.com/office/drawing/2014/main" id="{18BCB5DB-9B0F-40B7-B3CA-62139B44ECA9}"/>
               </a:ext>
             </a:extLst>
           </p:cNvPr>
@@ -12306,8 +12306,10 @@
       </p:sp>
       <p:pic>
         <p:nvPicPr>
-          <p:cNvPr id="5" name="Picture 4"/>
-          <p:cNvPicPr/>
+          <p:cNvPr id="3" name="Picture 2"/>
+          <p:cNvPicPr>
+            <a:picLocks noChangeAspect="1"/>
+          </p:cNvPicPr>
           <p:nvPr/>
         </p:nvPicPr>
         <p:blipFill>
@@ -12318,8 +12320,8 @@
         </p:blipFill>
         <p:spPr>
           <a:xfrm>
-            <a:off x="3225195" y="2143760"/>
-            <a:ext cx="5486400" cy="4353560"/>
+            <a:off x="2980307" y="2040228"/>
+            <a:ext cx="5976176" cy="4681871"/>
           </a:xfrm>
           <a:prstGeom prst="rect">
             <a:avLst/>
@@ -12368,7 +12370,7 @@
           <p:cNvPr id="2" name="Title 1">
             <a:extLst>
               <a:ext uri="{FF2B5EF4-FFF2-40B4-BE49-F238E27FC236}">
-                <a16:creationId xmlns:a16="http://schemas.microsoft.com/office/drawing/2014/main" xmlns="" id="{020CBA32-4561-4C72-90A3-951C08CBE747}"/>
+                <a16:creationId xmlns="" xmlns:a16="http://schemas.microsoft.com/office/drawing/2014/main" id="{020CBA32-4561-4C72-90A3-951C08CBE747}"/>
               </a:ext>
             </a:extLst>
           </p:cNvPr>
@@ -12427,7 +12429,7 @@
           <p:cNvPr id="2" name="Title 1">
             <a:extLst>
               <a:ext uri="{FF2B5EF4-FFF2-40B4-BE49-F238E27FC236}">
-                <a16:creationId xmlns:a16="http://schemas.microsoft.com/office/drawing/2014/main" xmlns="" id="{18BCB5DB-9B0F-40B7-B3CA-62139B44ECA9}"/>
+                <a16:creationId xmlns="" xmlns:a16="http://schemas.microsoft.com/office/drawing/2014/main" id="{18BCB5DB-9B0F-40B7-B3CA-62139B44ECA9}"/>
               </a:ext>
             </a:extLst>
           </p:cNvPr>
@@ -12525,7 +12527,7 @@
           <p:cNvPr id="2" name="Title 1">
             <a:extLst>
               <a:ext uri="{FF2B5EF4-FFF2-40B4-BE49-F238E27FC236}">
-                <a16:creationId xmlns:a16="http://schemas.microsoft.com/office/drawing/2014/main" xmlns="" id="{18BCB5DB-9B0F-40B7-B3CA-62139B44ECA9}"/>
+                <a16:creationId xmlns="" xmlns:a16="http://schemas.microsoft.com/office/drawing/2014/main" id="{18BCB5DB-9B0F-40B7-B3CA-62139B44ECA9}"/>
               </a:ext>
             </a:extLst>
           </p:cNvPr>
@@ -12623,7 +12625,7 @@
           <p:cNvPr id="2" name="Title 1">
             <a:extLst>
               <a:ext uri="{FF2B5EF4-FFF2-40B4-BE49-F238E27FC236}">
-                <a16:creationId xmlns:a16="http://schemas.microsoft.com/office/drawing/2014/main" xmlns="" id="{BAA2F0EC-C5FF-436E-B1DA-72E7C51122CF}"/>
+                <a16:creationId xmlns="" xmlns:a16="http://schemas.microsoft.com/office/drawing/2014/main" id="{BAA2F0EC-C5FF-436E-B1DA-72E7C51122CF}"/>
               </a:ext>
             </a:extLst>
           </p:cNvPr>
@@ -12656,7 +12658,7 @@
           <p:cNvPr id="3" name="Content Placeholder 2">
             <a:extLst>
               <a:ext uri="{FF2B5EF4-FFF2-40B4-BE49-F238E27FC236}">
-                <a16:creationId xmlns:a16="http://schemas.microsoft.com/office/drawing/2014/main" xmlns="" id="{9F2C06DC-6AF6-433A-8EC6-D4C645A3E375}"/>
+                <a16:creationId xmlns="" xmlns:a16="http://schemas.microsoft.com/office/drawing/2014/main" id="{9F2C06DC-6AF6-433A-8EC6-D4C645A3E375}"/>
               </a:ext>
             </a:extLst>
           </p:cNvPr>
@@ -12799,7 +12801,7 @@
           <p:cNvPr id="2" name="Title 1">
             <a:extLst>
               <a:ext uri="{FF2B5EF4-FFF2-40B4-BE49-F238E27FC236}">
-                <a16:creationId xmlns:a16="http://schemas.microsoft.com/office/drawing/2014/main" xmlns="" id="{18BCB5DB-9B0F-40B7-B3CA-62139B44ECA9}"/>
+                <a16:creationId xmlns="" xmlns:a16="http://schemas.microsoft.com/office/drawing/2014/main" id="{18BCB5DB-9B0F-40B7-B3CA-62139B44ECA9}"/>
               </a:ext>
             </a:extLst>
           </p:cNvPr>
@@ -12897,7 +12899,7 @@
           <p:cNvPr id="2" name="Title 1">
             <a:extLst>
               <a:ext uri="{FF2B5EF4-FFF2-40B4-BE49-F238E27FC236}">
-                <a16:creationId xmlns:a16="http://schemas.microsoft.com/office/drawing/2014/main" xmlns="" id="{18BCB5DB-9B0F-40B7-B3CA-62139B44ECA9}"/>
+                <a16:creationId xmlns="" xmlns:a16="http://schemas.microsoft.com/office/drawing/2014/main" id="{18BCB5DB-9B0F-40B7-B3CA-62139B44ECA9}"/>
               </a:ext>
             </a:extLst>
           </p:cNvPr>
@@ -12995,7 +12997,7 @@
           <p:cNvPr id="2" name="Title 1">
             <a:extLst>
               <a:ext uri="{FF2B5EF4-FFF2-40B4-BE49-F238E27FC236}">
-                <a16:creationId xmlns:a16="http://schemas.microsoft.com/office/drawing/2014/main" xmlns="" id="{18BCB5DB-9B0F-40B7-B3CA-62139B44ECA9}"/>
+                <a16:creationId xmlns="" xmlns:a16="http://schemas.microsoft.com/office/drawing/2014/main" id="{18BCB5DB-9B0F-40B7-B3CA-62139B44ECA9}"/>
               </a:ext>
             </a:extLst>
           </p:cNvPr>
@@ -13093,7 +13095,7 @@
           <p:cNvPr id="2" name="Title 1">
             <a:extLst>
               <a:ext uri="{FF2B5EF4-FFF2-40B4-BE49-F238E27FC236}">
-                <a16:creationId xmlns:a16="http://schemas.microsoft.com/office/drawing/2014/main" xmlns="" id="{18BCB5DB-9B0F-40B7-B3CA-62139B44ECA9}"/>
+                <a16:creationId xmlns="" xmlns:a16="http://schemas.microsoft.com/office/drawing/2014/main" id="{18BCB5DB-9B0F-40B7-B3CA-62139B44ECA9}"/>
               </a:ext>
             </a:extLst>
           </p:cNvPr>
@@ -13191,7 +13193,7 @@
           <p:cNvPr id="2" name="Title 1">
             <a:extLst>
               <a:ext uri="{FF2B5EF4-FFF2-40B4-BE49-F238E27FC236}">
-                <a16:creationId xmlns:a16="http://schemas.microsoft.com/office/drawing/2014/main" xmlns="" id="{18BCB5DB-9B0F-40B7-B3CA-62139B44ECA9}"/>
+                <a16:creationId xmlns="" xmlns:a16="http://schemas.microsoft.com/office/drawing/2014/main" id="{18BCB5DB-9B0F-40B7-B3CA-62139B44ECA9}"/>
               </a:ext>
             </a:extLst>
           </p:cNvPr>
@@ -13289,7 +13291,7 @@
           <p:cNvPr id="2" name="Title 1">
             <a:extLst>
               <a:ext uri="{FF2B5EF4-FFF2-40B4-BE49-F238E27FC236}">
-                <a16:creationId xmlns:a16="http://schemas.microsoft.com/office/drawing/2014/main" xmlns="" id="{18BCB5DB-9B0F-40B7-B3CA-62139B44ECA9}"/>
+                <a16:creationId xmlns="" xmlns:a16="http://schemas.microsoft.com/office/drawing/2014/main" id="{18BCB5DB-9B0F-40B7-B3CA-62139B44ECA9}"/>
               </a:ext>
             </a:extLst>
           </p:cNvPr>
@@ -13387,7 +13389,7 @@
           <p:cNvPr id="2" name="Title 1">
             <a:extLst>
               <a:ext uri="{FF2B5EF4-FFF2-40B4-BE49-F238E27FC236}">
-                <a16:creationId xmlns:a16="http://schemas.microsoft.com/office/drawing/2014/main" xmlns="" id="{18BCB5DB-9B0F-40B7-B3CA-62139B44ECA9}"/>
+                <a16:creationId xmlns="" xmlns:a16="http://schemas.microsoft.com/office/drawing/2014/main" id="{18BCB5DB-9B0F-40B7-B3CA-62139B44ECA9}"/>
               </a:ext>
             </a:extLst>
           </p:cNvPr>
@@ -13485,7 +13487,7 @@
           <p:cNvPr id="2" name="Title 1">
             <a:extLst>
               <a:ext uri="{FF2B5EF4-FFF2-40B4-BE49-F238E27FC236}">
-                <a16:creationId xmlns:a16="http://schemas.microsoft.com/office/drawing/2014/main" xmlns="" id="{18BCB5DB-9B0F-40B7-B3CA-62139B44ECA9}"/>
+                <a16:creationId xmlns="" xmlns:a16="http://schemas.microsoft.com/office/drawing/2014/main" id="{18BCB5DB-9B0F-40B7-B3CA-62139B44ECA9}"/>
               </a:ext>
             </a:extLst>
           </p:cNvPr>
@@ -13583,7 +13585,7 @@
           <p:cNvPr id="2" name="Title 1">
             <a:extLst>
               <a:ext uri="{FF2B5EF4-FFF2-40B4-BE49-F238E27FC236}">
-                <a16:creationId xmlns:a16="http://schemas.microsoft.com/office/drawing/2014/main" xmlns="" id="{18BCB5DB-9B0F-40B7-B3CA-62139B44ECA9}"/>
+                <a16:creationId xmlns="" xmlns:a16="http://schemas.microsoft.com/office/drawing/2014/main" id="{18BCB5DB-9B0F-40B7-B3CA-62139B44ECA9}"/>
               </a:ext>
             </a:extLst>
           </p:cNvPr>
@@ -13681,7 +13683,7 @@
           <p:cNvPr id="2" name="Title 1">
             <a:extLst>
               <a:ext uri="{FF2B5EF4-FFF2-40B4-BE49-F238E27FC236}">
-                <a16:creationId xmlns:a16="http://schemas.microsoft.com/office/drawing/2014/main" xmlns="" id="{18BCB5DB-9B0F-40B7-B3CA-62139B44ECA9}"/>
+                <a16:creationId xmlns="" xmlns:a16="http://schemas.microsoft.com/office/drawing/2014/main" id="{18BCB5DB-9B0F-40B7-B3CA-62139B44ECA9}"/>
               </a:ext>
             </a:extLst>
           </p:cNvPr>
@@ -13779,7 +13781,7 @@
           <p:cNvPr id="2" name="Title 1">
             <a:extLst>
               <a:ext uri="{FF2B5EF4-FFF2-40B4-BE49-F238E27FC236}">
-                <a16:creationId xmlns:a16="http://schemas.microsoft.com/office/drawing/2014/main" xmlns="" id="{BAA2F0EC-C5FF-436E-B1DA-72E7C51122CF}"/>
+                <a16:creationId xmlns="" xmlns:a16="http://schemas.microsoft.com/office/drawing/2014/main" id="{BAA2F0EC-C5FF-436E-B1DA-72E7C51122CF}"/>
               </a:ext>
             </a:extLst>
           </p:cNvPr>
@@ -13814,7 +13816,7 @@
           <p:cNvPr id="3" name="Content Placeholder 2">
             <a:extLst>
               <a:ext uri="{FF2B5EF4-FFF2-40B4-BE49-F238E27FC236}">
-                <a16:creationId xmlns:a16="http://schemas.microsoft.com/office/drawing/2014/main" xmlns="" id="{9F2C06DC-6AF6-433A-8EC6-D4C645A3E375}"/>
+                <a16:creationId xmlns="" xmlns:a16="http://schemas.microsoft.com/office/drawing/2014/main" id="{9F2C06DC-6AF6-433A-8EC6-D4C645A3E375}"/>
               </a:ext>
             </a:extLst>
           </p:cNvPr>
@@ -13877,7 +13879,7 @@
           <p:cNvPr id="2" name="Title 1">
             <a:extLst>
               <a:ext uri="{FF2B5EF4-FFF2-40B4-BE49-F238E27FC236}">
-                <a16:creationId xmlns:a16="http://schemas.microsoft.com/office/drawing/2014/main" xmlns="" id="{18BCB5DB-9B0F-40B7-B3CA-62139B44ECA9}"/>
+                <a16:creationId xmlns="" xmlns:a16="http://schemas.microsoft.com/office/drawing/2014/main" id="{18BCB5DB-9B0F-40B7-B3CA-62139B44ECA9}"/>
               </a:ext>
             </a:extLst>
           </p:cNvPr>
@@ -13975,7 +13977,7 @@
           <p:cNvPr id="2" name="Title 1">
             <a:extLst>
               <a:ext uri="{FF2B5EF4-FFF2-40B4-BE49-F238E27FC236}">
-                <a16:creationId xmlns:a16="http://schemas.microsoft.com/office/drawing/2014/main" xmlns="" id="{18BCB5DB-9B0F-40B7-B3CA-62139B44ECA9}"/>
+                <a16:creationId xmlns="" xmlns:a16="http://schemas.microsoft.com/office/drawing/2014/main" id="{18BCB5DB-9B0F-40B7-B3CA-62139B44ECA9}"/>
               </a:ext>
             </a:extLst>
           </p:cNvPr>
@@ -14073,7 +14075,7 @@
           <p:cNvPr id="2" name="Title 1">
             <a:extLst>
               <a:ext uri="{FF2B5EF4-FFF2-40B4-BE49-F238E27FC236}">
-                <a16:creationId xmlns:a16="http://schemas.microsoft.com/office/drawing/2014/main" xmlns="" id="{18BCB5DB-9B0F-40B7-B3CA-62139B44ECA9}"/>
+                <a16:creationId xmlns="" xmlns:a16="http://schemas.microsoft.com/office/drawing/2014/main" id="{18BCB5DB-9B0F-40B7-B3CA-62139B44ECA9}"/>
               </a:ext>
             </a:extLst>
           </p:cNvPr>
@@ -14171,7 +14173,7 @@
           <p:cNvPr id="2" name="Title 1">
             <a:extLst>
               <a:ext uri="{FF2B5EF4-FFF2-40B4-BE49-F238E27FC236}">
-                <a16:creationId xmlns:a16="http://schemas.microsoft.com/office/drawing/2014/main" xmlns="" id="{020CBA32-4561-4C72-90A3-951C08CBE747}"/>
+                <a16:creationId xmlns="" xmlns:a16="http://schemas.microsoft.com/office/drawing/2014/main" id="{020CBA32-4561-4C72-90A3-951C08CBE747}"/>
               </a:ext>
             </a:extLst>
           </p:cNvPr>
@@ -14289,7 +14291,7 @@
           <p:cNvPr id="2" name="Title 1">
             <a:extLst>
               <a:ext uri="{FF2B5EF4-FFF2-40B4-BE49-F238E27FC236}">
-                <a16:creationId xmlns:a16="http://schemas.microsoft.com/office/drawing/2014/main" xmlns="" id="{020CBA32-4561-4C72-90A3-951C08CBE747}"/>
+                <a16:creationId xmlns="" xmlns:a16="http://schemas.microsoft.com/office/drawing/2014/main" id="{020CBA32-4561-4C72-90A3-951C08CBE747}"/>
               </a:ext>
             </a:extLst>
           </p:cNvPr>
@@ -14348,7 +14350,7 @@
           <p:cNvPr id="2" name="Title 1">
             <a:extLst>
               <a:ext uri="{FF2B5EF4-FFF2-40B4-BE49-F238E27FC236}">
-                <a16:creationId xmlns:a16="http://schemas.microsoft.com/office/drawing/2014/main" xmlns="" id="{18BCB5DB-9B0F-40B7-B3CA-62139B44ECA9}"/>
+                <a16:creationId xmlns="" xmlns:a16="http://schemas.microsoft.com/office/drawing/2014/main" id="{18BCB5DB-9B0F-40B7-B3CA-62139B44ECA9}"/>
               </a:ext>
             </a:extLst>
           </p:cNvPr>
@@ -14476,7 +14478,7 @@
           <p:cNvPr id="2" name="Title 1">
             <a:extLst>
               <a:ext uri="{FF2B5EF4-FFF2-40B4-BE49-F238E27FC236}">
-                <a16:creationId xmlns:a16="http://schemas.microsoft.com/office/drawing/2014/main" xmlns="" id="{18BCB5DB-9B0F-40B7-B3CA-62139B44ECA9}"/>
+                <a16:creationId xmlns="" xmlns:a16="http://schemas.microsoft.com/office/drawing/2014/main" id="{18BCB5DB-9B0F-40B7-B3CA-62139B44ECA9}"/>
               </a:ext>
             </a:extLst>
           </p:cNvPr>
@@ -14587,7 +14589,7 @@
           <p:cNvPr id="2" name="Title 1">
             <a:extLst>
               <a:ext uri="{FF2B5EF4-FFF2-40B4-BE49-F238E27FC236}">
-                <a16:creationId xmlns:a16="http://schemas.microsoft.com/office/drawing/2014/main" xmlns="" id="{18BCB5DB-9B0F-40B7-B3CA-62139B44ECA9}"/>
+                <a16:creationId xmlns="" xmlns:a16="http://schemas.microsoft.com/office/drawing/2014/main" id="{18BCB5DB-9B0F-40B7-B3CA-62139B44ECA9}"/>
               </a:ext>
             </a:extLst>
           </p:cNvPr>
@@ -14723,7 +14725,7 @@
           <p:cNvPr id="2" name="Title 1">
             <a:extLst>
               <a:ext uri="{FF2B5EF4-FFF2-40B4-BE49-F238E27FC236}">
-                <a16:creationId xmlns:a16="http://schemas.microsoft.com/office/drawing/2014/main" xmlns="" id="{18BCB5DB-9B0F-40B7-B3CA-62139B44ECA9}"/>
+                <a16:creationId xmlns="" xmlns:a16="http://schemas.microsoft.com/office/drawing/2014/main" id="{18BCB5DB-9B0F-40B7-B3CA-62139B44ECA9}"/>
               </a:ext>
             </a:extLst>
           </p:cNvPr>
@@ -14837,7 +14839,7 @@
           <p:cNvPr id="2" name="Title 1">
             <a:extLst>
               <a:ext uri="{FF2B5EF4-FFF2-40B4-BE49-F238E27FC236}">
-                <a16:creationId xmlns:a16="http://schemas.microsoft.com/office/drawing/2014/main" xmlns="" id="{BAA2F0EC-C5FF-436E-B1DA-72E7C51122CF}"/>
+                <a16:creationId xmlns="" xmlns:a16="http://schemas.microsoft.com/office/drawing/2014/main" id="{BAA2F0EC-C5FF-436E-B1DA-72E7C51122CF}"/>
               </a:ext>
             </a:extLst>
           </p:cNvPr>
@@ -14870,7 +14872,7 @@
           <p:cNvPr id="3" name="Content Placeholder 2">
             <a:extLst>
               <a:ext uri="{FF2B5EF4-FFF2-40B4-BE49-F238E27FC236}">
-                <a16:creationId xmlns:a16="http://schemas.microsoft.com/office/drawing/2014/main" xmlns="" id="{9F2C06DC-6AF6-433A-8EC6-D4C645A3E375}"/>
+                <a16:creationId xmlns="" xmlns:a16="http://schemas.microsoft.com/office/drawing/2014/main" id="{9F2C06DC-6AF6-433A-8EC6-D4C645A3E375}"/>
               </a:ext>
             </a:extLst>
           </p:cNvPr>
@@ -14933,7 +14935,7 @@
           <p:cNvPr id="2" name="Title 1">
             <a:extLst>
               <a:ext uri="{FF2B5EF4-FFF2-40B4-BE49-F238E27FC236}">
-                <a16:creationId xmlns:a16="http://schemas.microsoft.com/office/drawing/2014/main" xmlns="" id="{18BCB5DB-9B0F-40B7-B3CA-62139B44ECA9}"/>
+                <a16:creationId xmlns="" xmlns:a16="http://schemas.microsoft.com/office/drawing/2014/main" id="{18BCB5DB-9B0F-40B7-B3CA-62139B44ECA9}"/>
               </a:ext>
             </a:extLst>
           </p:cNvPr>
@@ -15068,7 +15070,7 @@
           <p:cNvPr id="2" name="Title 1">
             <a:extLst>
               <a:ext uri="{FF2B5EF4-FFF2-40B4-BE49-F238E27FC236}">
-                <a16:creationId xmlns:a16="http://schemas.microsoft.com/office/drawing/2014/main" xmlns="" id="{18BCB5DB-9B0F-40B7-B3CA-62139B44ECA9}"/>
+                <a16:creationId xmlns="" xmlns:a16="http://schemas.microsoft.com/office/drawing/2014/main" id="{18BCB5DB-9B0F-40B7-B3CA-62139B44ECA9}"/>
               </a:ext>
             </a:extLst>
           </p:cNvPr>
@@ -15182,7 +15184,7 @@
           <p:cNvPr id="2" name="Title 1">
             <a:extLst>
               <a:ext uri="{FF2B5EF4-FFF2-40B4-BE49-F238E27FC236}">
-                <a16:creationId xmlns:a16="http://schemas.microsoft.com/office/drawing/2014/main" xmlns="" id="{18BCB5DB-9B0F-40B7-B3CA-62139B44ECA9}"/>
+                <a16:creationId xmlns="" xmlns:a16="http://schemas.microsoft.com/office/drawing/2014/main" id="{18BCB5DB-9B0F-40B7-B3CA-62139B44ECA9}"/>
               </a:ext>
             </a:extLst>
           </p:cNvPr>
@@ -15317,7 +15319,7 @@
           <p:cNvPr id="2" name="Title 1">
             <a:extLst>
               <a:ext uri="{FF2B5EF4-FFF2-40B4-BE49-F238E27FC236}">
-                <a16:creationId xmlns:a16="http://schemas.microsoft.com/office/drawing/2014/main" xmlns="" id="{18BCB5DB-9B0F-40B7-B3CA-62139B44ECA9}"/>
+                <a16:creationId xmlns="" xmlns:a16="http://schemas.microsoft.com/office/drawing/2014/main" id="{18BCB5DB-9B0F-40B7-B3CA-62139B44ECA9}"/>
               </a:ext>
             </a:extLst>
           </p:cNvPr>
@@ -15452,7 +15454,7 @@
           <p:cNvPr id="2" name="Title 1">
             <a:extLst>
               <a:ext uri="{FF2B5EF4-FFF2-40B4-BE49-F238E27FC236}">
-                <a16:creationId xmlns:a16="http://schemas.microsoft.com/office/drawing/2014/main" xmlns="" id="{BAA2F0EC-C5FF-436E-B1DA-72E7C51122CF}"/>
+                <a16:creationId xmlns="" xmlns:a16="http://schemas.microsoft.com/office/drawing/2014/main" id="{BAA2F0EC-C5FF-436E-B1DA-72E7C51122CF}"/>
               </a:ext>
             </a:extLst>
           </p:cNvPr>
@@ -15485,7 +15487,7 @@
           <p:cNvPr id="3" name="Content Placeholder 2">
             <a:extLst>
               <a:ext uri="{FF2B5EF4-FFF2-40B4-BE49-F238E27FC236}">
-                <a16:creationId xmlns:a16="http://schemas.microsoft.com/office/drawing/2014/main" xmlns="" id="{9F2C06DC-6AF6-433A-8EC6-D4C645A3E375}"/>
+                <a16:creationId xmlns="" xmlns:a16="http://schemas.microsoft.com/office/drawing/2014/main" id="{9F2C06DC-6AF6-433A-8EC6-D4C645A3E375}"/>
               </a:ext>
             </a:extLst>
           </p:cNvPr>
@@ -15590,7 +15592,7 @@
           <p:cNvPr id="2" name="Title 1">
             <a:extLst>
               <a:ext uri="{FF2B5EF4-FFF2-40B4-BE49-F238E27FC236}">
-                <a16:creationId xmlns:a16="http://schemas.microsoft.com/office/drawing/2014/main" xmlns="" id="{BAA2F0EC-C5FF-436E-B1DA-72E7C51122CF}"/>
+                <a16:creationId xmlns="" xmlns:a16="http://schemas.microsoft.com/office/drawing/2014/main" id="{BAA2F0EC-C5FF-436E-B1DA-72E7C51122CF}"/>
               </a:ext>
             </a:extLst>
           </p:cNvPr>
@@ -15623,7 +15625,7 @@
           <p:cNvPr id="3" name="Content Placeholder 2">
             <a:extLst>
               <a:ext uri="{FF2B5EF4-FFF2-40B4-BE49-F238E27FC236}">
-                <a16:creationId xmlns:a16="http://schemas.microsoft.com/office/drawing/2014/main" xmlns="" id="{9F2C06DC-6AF6-433A-8EC6-D4C645A3E375}"/>
+                <a16:creationId xmlns="" xmlns:a16="http://schemas.microsoft.com/office/drawing/2014/main" id="{9F2C06DC-6AF6-433A-8EC6-D4C645A3E375}"/>
               </a:ext>
             </a:extLst>
           </p:cNvPr>

--- a/Design_Phase_Presentation_Final.pptx
+++ b/Design_Phase_Presentation_Final.pptx
@@ -5293,7 +5293,7 @@
           <p:cNvPr id="2" name="Title 1">
             <a:extLst>
               <a:ext uri="{FF2B5EF4-FFF2-40B4-BE49-F238E27FC236}">
-                <a16:creationId xmlns="" xmlns:a16="http://schemas.microsoft.com/office/drawing/2014/main" id="{BAA2F0EC-C5FF-436E-B1DA-72E7C51122CF}"/>
+                <a16:creationId xmlns:a16="http://schemas.microsoft.com/office/drawing/2014/main" xmlns="" id="{BAA2F0EC-C5FF-436E-B1DA-72E7C51122CF}"/>
               </a:ext>
             </a:extLst>
           </p:cNvPr>
@@ -5326,7 +5326,7 @@
           <p:cNvPr id="3" name="Content Placeholder 2">
             <a:extLst>
               <a:ext uri="{FF2B5EF4-FFF2-40B4-BE49-F238E27FC236}">
-                <a16:creationId xmlns="" xmlns:a16="http://schemas.microsoft.com/office/drawing/2014/main" id="{9F2C06DC-6AF6-433A-8EC6-D4C645A3E375}"/>
+                <a16:creationId xmlns:a16="http://schemas.microsoft.com/office/drawing/2014/main" xmlns="" id="{9F2C06DC-6AF6-433A-8EC6-D4C645A3E375}"/>
               </a:ext>
             </a:extLst>
           </p:cNvPr>
@@ -5417,7 +5417,7 @@
           <p:cNvPr id="2" name="Title 1">
             <a:extLst>
               <a:ext uri="{FF2B5EF4-FFF2-40B4-BE49-F238E27FC236}">
-                <a16:creationId xmlns="" xmlns:a16="http://schemas.microsoft.com/office/drawing/2014/main" id="{BAA2F0EC-C5FF-436E-B1DA-72E7C51122CF}"/>
+                <a16:creationId xmlns:a16="http://schemas.microsoft.com/office/drawing/2014/main" xmlns="" id="{BAA2F0EC-C5FF-436E-B1DA-72E7C51122CF}"/>
               </a:ext>
             </a:extLst>
           </p:cNvPr>
@@ -5450,7 +5450,7 @@
           <p:cNvPr id="3" name="Content Placeholder 2">
             <a:extLst>
               <a:ext uri="{FF2B5EF4-FFF2-40B4-BE49-F238E27FC236}">
-                <a16:creationId xmlns="" xmlns:a16="http://schemas.microsoft.com/office/drawing/2014/main" id="{9F2C06DC-6AF6-433A-8EC6-D4C645A3E375}"/>
+                <a16:creationId xmlns:a16="http://schemas.microsoft.com/office/drawing/2014/main" xmlns="" id="{9F2C06DC-6AF6-433A-8EC6-D4C645A3E375}"/>
               </a:ext>
             </a:extLst>
           </p:cNvPr>
@@ -5534,7 +5534,7 @@
           <p:cNvPr id="2" name="Title 1">
             <a:extLst>
               <a:ext uri="{FF2B5EF4-FFF2-40B4-BE49-F238E27FC236}">
-                <a16:creationId xmlns="" xmlns:a16="http://schemas.microsoft.com/office/drawing/2014/main" id="{BAA2F0EC-C5FF-436E-B1DA-72E7C51122CF}"/>
+                <a16:creationId xmlns:a16="http://schemas.microsoft.com/office/drawing/2014/main" xmlns="" id="{BAA2F0EC-C5FF-436E-B1DA-72E7C51122CF}"/>
               </a:ext>
             </a:extLst>
           </p:cNvPr>
@@ -5567,7 +5567,7 @@
           <p:cNvPr id="3" name="Content Placeholder 2">
             <a:extLst>
               <a:ext uri="{FF2B5EF4-FFF2-40B4-BE49-F238E27FC236}">
-                <a16:creationId xmlns="" xmlns:a16="http://schemas.microsoft.com/office/drawing/2014/main" id="{9F2C06DC-6AF6-433A-8EC6-D4C645A3E375}"/>
+                <a16:creationId xmlns:a16="http://schemas.microsoft.com/office/drawing/2014/main" xmlns="" id="{9F2C06DC-6AF6-433A-8EC6-D4C645A3E375}"/>
               </a:ext>
             </a:extLst>
           </p:cNvPr>
@@ -5667,7 +5667,7 @@
           <p:cNvPr id="2" name="Title 1">
             <a:extLst>
               <a:ext uri="{FF2B5EF4-FFF2-40B4-BE49-F238E27FC236}">
-                <a16:creationId xmlns="" xmlns:a16="http://schemas.microsoft.com/office/drawing/2014/main" id="{BAA2F0EC-C5FF-436E-B1DA-72E7C51122CF}"/>
+                <a16:creationId xmlns:a16="http://schemas.microsoft.com/office/drawing/2014/main" xmlns="" id="{BAA2F0EC-C5FF-436E-B1DA-72E7C51122CF}"/>
               </a:ext>
             </a:extLst>
           </p:cNvPr>
@@ -5700,7 +5700,7 @@
           <p:cNvPr id="3" name="Content Placeholder 2">
             <a:extLst>
               <a:ext uri="{FF2B5EF4-FFF2-40B4-BE49-F238E27FC236}">
-                <a16:creationId xmlns="" xmlns:a16="http://schemas.microsoft.com/office/drawing/2014/main" id="{9F2C06DC-6AF6-433A-8EC6-D4C645A3E375}"/>
+                <a16:creationId xmlns:a16="http://schemas.microsoft.com/office/drawing/2014/main" xmlns="" id="{9F2C06DC-6AF6-433A-8EC6-D4C645A3E375}"/>
               </a:ext>
             </a:extLst>
           </p:cNvPr>
@@ -5800,7 +5800,7 @@
           <p:cNvPr id="2" name="Title 1">
             <a:extLst>
               <a:ext uri="{FF2B5EF4-FFF2-40B4-BE49-F238E27FC236}">
-                <a16:creationId xmlns="" xmlns:a16="http://schemas.microsoft.com/office/drawing/2014/main" id="{BAA2F0EC-C5FF-436E-B1DA-72E7C51122CF}"/>
+                <a16:creationId xmlns:a16="http://schemas.microsoft.com/office/drawing/2014/main" xmlns="" id="{BAA2F0EC-C5FF-436E-B1DA-72E7C51122CF}"/>
               </a:ext>
             </a:extLst>
           </p:cNvPr>
@@ -5833,7 +5833,7 @@
           <p:cNvPr id="3" name="Content Placeholder 2">
             <a:extLst>
               <a:ext uri="{FF2B5EF4-FFF2-40B4-BE49-F238E27FC236}">
-                <a16:creationId xmlns="" xmlns:a16="http://schemas.microsoft.com/office/drawing/2014/main" id="{9F2C06DC-6AF6-433A-8EC6-D4C645A3E375}"/>
+                <a16:creationId xmlns:a16="http://schemas.microsoft.com/office/drawing/2014/main" xmlns="" id="{9F2C06DC-6AF6-433A-8EC6-D4C645A3E375}"/>
               </a:ext>
             </a:extLst>
           </p:cNvPr>
@@ -5926,7 +5926,7 @@
           <p:cNvPr id="4" name="Title 3">
             <a:extLst>
               <a:ext uri="{FF2B5EF4-FFF2-40B4-BE49-F238E27FC236}">
-                <a16:creationId xmlns="" xmlns:a16="http://schemas.microsoft.com/office/drawing/2014/main" id="{0FE7722E-4DBF-430D-9597-8A9F503ADAB9}"/>
+                <a16:creationId xmlns:a16="http://schemas.microsoft.com/office/drawing/2014/main" xmlns="" id="{0FE7722E-4DBF-430D-9597-8A9F503ADAB9}"/>
               </a:ext>
             </a:extLst>
           </p:cNvPr>
@@ -5954,7 +5954,7 @@
           <p:cNvPr id="5" name="Text Placeholder 4">
             <a:extLst>
               <a:ext uri="{FF2B5EF4-FFF2-40B4-BE49-F238E27FC236}">
-                <a16:creationId xmlns="" xmlns:a16="http://schemas.microsoft.com/office/drawing/2014/main" id="{E415018C-DEDF-441C-A9AA-1AA28C9E1D40}"/>
+                <a16:creationId xmlns:a16="http://schemas.microsoft.com/office/drawing/2014/main" xmlns="" id="{E415018C-DEDF-441C-A9AA-1AA28C9E1D40}"/>
               </a:ext>
             </a:extLst>
           </p:cNvPr>
@@ -6012,7 +6012,7 @@
           <p:cNvPr id="2" name="Title 1">
             <a:extLst>
               <a:ext uri="{FF2B5EF4-FFF2-40B4-BE49-F238E27FC236}">
-                <a16:creationId xmlns="" xmlns:a16="http://schemas.microsoft.com/office/drawing/2014/main" id="{5CF181D9-AEC2-415C-8E57-CBF59499C4F1}"/>
+                <a16:creationId xmlns:a16="http://schemas.microsoft.com/office/drawing/2014/main" xmlns="" id="{5CF181D9-AEC2-415C-8E57-CBF59499C4F1}"/>
               </a:ext>
             </a:extLst>
           </p:cNvPr>
@@ -6045,7 +6045,7 @@
           <p:cNvPr id="3" name="Content Placeholder 2">
             <a:extLst>
               <a:ext uri="{FF2B5EF4-FFF2-40B4-BE49-F238E27FC236}">
-                <a16:creationId xmlns="" xmlns:a16="http://schemas.microsoft.com/office/drawing/2014/main" id="{DD559ED7-2E6A-4EA5-AF17-911629B96F30}"/>
+                <a16:creationId xmlns:a16="http://schemas.microsoft.com/office/drawing/2014/main" xmlns="" id="{DD559ED7-2E6A-4EA5-AF17-911629B96F30}"/>
               </a:ext>
             </a:extLst>
           </p:cNvPr>
@@ -6114,7 +6114,7 @@
           <p:cNvPr id="2" name="Title 1">
             <a:extLst>
               <a:ext uri="{FF2B5EF4-FFF2-40B4-BE49-F238E27FC236}">
-                <a16:creationId xmlns="" xmlns:a16="http://schemas.microsoft.com/office/drawing/2014/main" id="{5CF181D9-AEC2-415C-8E57-CBF59499C4F1}"/>
+                <a16:creationId xmlns:a16="http://schemas.microsoft.com/office/drawing/2014/main" xmlns="" id="{5CF181D9-AEC2-415C-8E57-CBF59499C4F1}"/>
               </a:ext>
             </a:extLst>
           </p:cNvPr>
@@ -6147,7 +6147,7 @@
           <p:cNvPr id="3" name="Content Placeholder 2">
             <a:extLst>
               <a:ext uri="{FF2B5EF4-FFF2-40B4-BE49-F238E27FC236}">
-                <a16:creationId xmlns="" xmlns:a16="http://schemas.microsoft.com/office/drawing/2014/main" id="{DD559ED7-2E6A-4EA5-AF17-911629B96F30}"/>
+                <a16:creationId xmlns:a16="http://schemas.microsoft.com/office/drawing/2014/main" xmlns="" id="{DD559ED7-2E6A-4EA5-AF17-911629B96F30}"/>
               </a:ext>
             </a:extLst>
           </p:cNvPr>
@@ -6216,7 +6216,7 @@
           <p:cNvPr id="2" name="Title 1">
             <a:extLst>
               <a:ext uri="{FF2B5EF4-FFF2-40B4-BE49-F238E27FC236}">
-                <a16:creationId xmlns="" xmlns:a16="http://schemas.microsoft.com/office/drawing/2014/main" id="{5CF181D9-AEC2-415C-8E57-CBF59499C4F1}"/>
+                <a16:creationId xmlns:a16="http://schemas.microsoft.com/office/drawing/2014/main" xmlns="" id="{5CF181D9-AEC2-415C-8E57-CBF59499C4F1}"/>
               </a:ext>
             </a:extLst>
           </p:cNvPr>
@@ -6249,7 +6249,7 @@
           <p:cNvPr id="3" name="Content Placeholder 2">
             <a:extLst>
               <a:ext uri="{FF2B5EF4-FFF2-40B4-BE49-F238E27FC236}">
-                <a16:creationId xmlns="" xmlns:a16="http://schemas.microsoft.com/office/drawing/2014/main" id="{DD559ED7-2E6A-4EA5-AF17-911629B96F30}"/>
+                <a16:creationId xmlns:a16="http://schemas.microsoft.com/office/drawing/2014/main" xmlns="" id="{DD559ED7-2E6A-4EA5-AF17-911629B96F30}"/>
               </a:ext>
             </a:extLst>
           </p:cNvPr>
@@ -6318,7 +6318,7 @@
           <p:cNvPr id="2" name="Title 1">
             <a:extLst>
               <a:ext uri="{FF2B5EF4-FFF2-40B4-BE49-F238E27FC236}">
-                <a16:creationId xmlns="" xmlns:a16="http://schemas.microsoft.com/office/drawing/2014/main" id="{5CF181D9-AEC2-415C-8E57-CBF59499C4F1}"/>
+                <a16:creationId xmlns:a16="http://schemas.microsoft.com/office/drawing/2014/main" xmlns="" id="{5CF181D9-AEC2-415C-8E57-CBF59499C4F1}"/>
               </a:ext>
             </a:extLst>
           </p:cNvPr>
@@ -6351,7 +6351,7 @@
           <p:cNvPr id="3" name="Content Placeholder 2">
             <a:extLst>
               <a:ext uri="{FF2B5EF4-FFF2-40B4-BE49-F238E27FC236}">
-                <a16:creationId xmlns="" xmlns:a16="http://schemas.microsoft.com/office/drawing/2014/main" id="{DD559ED7-2E6A-4EA5-AF17-911629B96F30}"/>
+                <a16:creationId xmlns:a16="http://schemas.microsoft.com/office/drawing/2014/main" xmlns="" id="{DD559ED7-2E6A-4EA5-AF17-911629B96F30}"/>
               </a:ext>
             </a:extLst>
           </p:cNvPr>
@@ -7081,7 +7081,7 @@
           <p:cNvPr id="2" name="Title 1">
             <a:extLst>
               <a:ext uri="{FF2B5EF4-FFF2-40B4-BE49-F238E27FC236}">
-                <a16:creationId xmlns="" xmlns:a16="http://schemas.microsoft.com/office/drawing/2014/main" id="{5CF181D9-AEC2-415C-8E57-CBF59499C4F1}"/>
+                <a16:creationId xmlns:a16="http://schemas.microsoft.com/office/drawing/2014/main" xmlns="" id="{5CF181D9-AEC2-415C-8E57-CBF59499C4F1}"/>
               </a:ext>
             </a:extLst>
           </p:cNvPr>
@@ -7114,7 +7114,7 @@
           <p:cNvPr id="3" name="Content Placeholder 2">
             <a:extLst>
               <a:ext uri="{FF2B5EF4-FFF2-40B4-BE49-F238E27FC236}">
-                <a16:creationId xmlns="" xmlns:a16="http://schemas.microsoft.com/office/drawing/2014/main" id="{DD559ED7-2E6A-4EA5-AF17-911629B96F30}"/>
+                <a16:creationId xmlns:a16="http://schemas.microsoft.com/office/drawing/2014/main" xmlns="" id="{DD559ED7-2E6A-4EA5-AF17-911629B96F30}"/>
               </a:ext>
             </a:extLst>
           </p:cNvPr>
@@ -7183,7 +7183,7 @@
           <p:cNvPr id="2" name="Title 1">
             <a:extLst>
               <a:ext uri="{FF2B5EF4-FFF2-40B4-BE49-F238E27FC236}">
-                <a16:creationId xmlns="" xmlns:a16="http://schemas.microsoft.com/office/drawing/2014/main" id="{0806F207-F1DF-4492-BF83-8D3D64C736EB}"/>
+                <a16:creationId xmlns:a16="http://schemas.microsoft.com/office/drawing/2014/main" xmlns="" id="{0806F207-F1DF-4492-BF83-8D3D64C736EB}"/>
               </a:ext>
             </a:extLst>
           </p:cNvPr>
@@ -7241,7 +7241,7 @@
           <p:cNvPr id="2" name="Title 1">
             <a:extLst>
               <a:ext uri="{FF2B5EF4-FFF2-40B4-BE49-F238E27FC236}">
-                <a16:creationId xmlns="" xmlns:a16="http://schemas.microsoft.com/office/drawing/2014/main" id="{417A3429-172C-4D0E-8F9C-A2A537A71797}"/>
+                <a16:creationId xmlns:a16="http://schemas.microsoft.com/office/drawing/2014/main" xmlns="" id="{417A3429-172C-4D0E-8F9C-A2A537A71797}"/>
               </a:ext>
             </a:extLst>
           </p:cNvPr>
@@ -7269,7 +7269,7 @@
           <p:cNvPr id="3" name="Content Placeholder 2">
             <a:extLst>
               <a:ext uri="{FF2B5EF4-FFF2-40B4-BE49-F238E27FC236}">
-                <a16:creationId xmlns="" xmlns:a16="http://schemas.microsoft.com/office/drawing/2014/main" id="{26D422A7-4D2A-4C6B-9268-58F21EBEA9B5}"/>
+                <a16:creationId xmlns:a16="http://schemas.microsoft.com/office/drawing/2014/main" xmlns="" id="{26D422A7-4D2A-4C6B-9268-58F21EBEA9B5}"/>
               </a:ext>
             </a:extLst>
           </p:cNvPr>
@@ -7404,7 +7404,7 @@
           <p:cNvPr id="2" name="Title 1">
             <a:extLst>
               <a:ext uri="{FF2B5EF4-FFF2-40B4-BE49-F238E27FC236}">
-                <a16:creationId xmlns="" xmlns:a16="http://schemas.microsoft.com/office/drawing/2014/main" id="{8C7BEDB4-206B-4446-AA4B-B97FE760DF25}"/>
+                <a16:creationId xmlns:a16="http://schemas.microsoft.com/office/drawing/2014/main" xmlns="" id="{8C7BEDB4-206B-4446-AA4B-B97FE760DF25}"/>
               </a:ext>
             </a:extLst>
           </p:cNvPr>
@@ -7432,7 +7432,7 @@
           <p:cNvPr id="3" name="Content Placeholder 2">
             <a:extLst>
               <a:ext uri="{FF2B5EF4-FFF2-40B4-BE49-F238E27FC236}">
-                <a16:creationId xmlns="" xmlns:a16="http://schemas.microsoft.com/office/drawing/2014/main" id="{F5744FB3-AF2A-4AC5-AFF3-928D9148BD0E}"/>
+                <a16:creationId xmlns:a16="http://schemas.microsoft.com/office/drawing/2014/main" xmlns="" id="{F5744FB3-AF2A-4AC5-AFF3-928D9148BD0E}"/>
               </a:ext>
             </a:extLst>
           </p:cNvPr>
@@ -7571,7 +7571,7 @@
           <p:cNvPr id="2" name="Title 1">
             <a:extLst>
               <a:ext uri="{FF2B5EF4-FFF2-40B4-BE49-F238E27FC236}">
-                <a16:creationId xmlns="" xmlns:a16="http://schemas.microsoft.com/office/drawing/2014/main" id="{9FF919FD-04CB-46CA-B667-D191C25FD205}"/>
+                <a16:creationId xmlns:a16="http://schemas.microsoft.com/office/drawing/2014/main" xmlns="" id="{9FF919FD-04CB-46CA-B667-D191C25FD205}"/>
               </a:ext>
             </a:extLst>
           </p:cNvPr>
@@ -7605,7 +7605,7 @@
           <p:cNvPr id="5" name="Content Placeholder 4">
             <a:extLst>
               <a:ext uri="{FF2B5EF4-FFF2-40B4-BE49-F238E27FC236}">
-                <a16:creationId xmlns="" xmlns:a16="http://schemas.microsoft.com/office/drawing/2014/main" id="{1D276F72-43E3-4345-BADA-65A2EE27FE1D}"/>
+                <a16:creationId xmlns:a16="http://schemas.microsoft.com/office/drawing/2014/main" xmlns="" id="{1D276F72-43E3-4345-BADA-65A2EE27FE1D}"/>
               </a:ext>
             </a:extLst>
           </p:cNvPr>
@@ -7635,14 +7635,14 @@
                 <a:gridCol w="4258340">
                   <a:extLst>
                     <a:ext uri="{9D8B030D-6E8A-4147-A177-3AD203B41FA5}">
-                      <a16:colId xmlns="" xmlns:a16="http://schemas.microsoft.com/office/drawing/2014/main" val="2315659832"/>
+                      <a16:colId xmlns:a16="http://schemas.microsoft.com/office/drawing/2014/main" xmlns="" val="2315659832"/>
                     </a:ext>
                   </a:extLst>
                 </a:gridCol>
                 <a:gridCol w="4258340">
                   <a:extLst>
                     <a:ext uri="{9D8B030D-6E8A-4147-A177-3AD203B41FA5}">
-                      <a16:colId xmlns="" xmlns:a16="http://schemas.microsoft.com/office/drawing/2014/main" val="4161126512"/>
+                      <a16:colId xmlns:a16="http://schemas.microsoft.com/office/drawing/2014/main" xmlns="" val="4161126512"/>
                     </a:ext>
                   </a:extLst>
                 </a:gridCol>
@@ -7720,7 +7720,7 @@
                 </a:tc>
                 <a:extLst>
                   <a:ext uri="{0D108BD9-81ED-4DB2-BD59-A6C34878D82A}">
-                    <a16:rowId xmlns="" xmlns:a16="http://schemas.microsoft.com/office/drawing/2014/main" val="2278764285"/>
+                    <a16:rowId xmlns:a16="http://schemas.microsoft.com/office/drawing/2014/main" xmlns="" val="2278764285"/>
                   </a:ext>
                 </a:extLst>
               </a:tr>
@@ -7810,7 +7810,7 @@
                 </a:tc>
                 <a:extLst>
                   <a:ext uri="{0D108BD9-81ED-4DB2-BD59-A6C34878D82A}">
-                    <a16:rowId xmlns="" xmlns:a16="http://schemas.microsoft.com/office/drawing/2014/main" val="2196558873"/>
+                    <a16:rowId xmlns:a16="http://schemas.microsoft.com/office/drawing/2014/main" xmlns="" val="2196558873"/>
                   </a:ext>
                 </a:extLst>
               </a:tr>
@@ -7900,7 +7900,7 @@
                 </a:tc>
                 <a:extLst>
                   <a:ext uri="{0D108BD9-81ED-4DB2-BD59-A6C34878D82A}">
-                    <a16:rowId xmlns="" xmlns:a16="http://schemas.microsoft.com/office/drawing/2014/main" val="3500724014"/>
+                    <a16:rowId xmlns:a16="http://schemas.microsoft.com/office/drawing/2014/main" xmlns="" val="3500724014"/>
                   </a:ext>
                 </a:extLst>
               </a:tr>
@@ -8038,7 +8038,7 @@
                 </a:tc>
                 <a:extLst>
                   <a:ext uri="{0D108BD9-81ED-4DB2-BD59-A6C34878D82A}">
-                    <a16:rowId xmlns="" xmlns:a16="http://schemas.microsoft.com/office/drawing/2014/main" val="244601528"/>
+                    <a16:rowId xmlns:a16="http://schemas.microsoft.com/office/drawing/2014/main" xmlns="" val="244601528"/>
                   </a:ext>
                 </a:extLst>
               </a:tr>
@@ -8149,7 +8149,7 @@
                 </a:tc>
                 <a:extLst>
                   <a:ext uri="{0D108BD9-81ED-4DB2-BD59-A6C34878D82A}">
-                    <a16:rowId xmlns="" xmlns:a16="http://schemas.microsoft.com/office/drawing/2014/main" val="35086479"/>
+                    <a16:rowId xmlns:a16="http://schemas.microsoft.com/office/drawing/2014/main" xmlns="" val="35086479"/>
                   </a:ext>
                 </a:extLst>
               </a:tr>
@@ -8192,7 +8192,7 @@
           <p:cNvPr id="2" name="Title 1">
             <a:extLst>
               <a:ext uri="{FF2B5EF4-FFF2-40B4-BE49-F238E27FC236}">
-                <a16:creationId xmlns="" xmlns:a16="http://schemas.microsoft.com/office/drawing/2014/main" id="{020CBA32-4561-4C72-90A3-951C08CBE747}"/>
+                <a16:creationId xmlns:a16="http://schemas.microsoft.com/office/drawing/2014/main" xmlns="" id="{020CBA32-4561-4C72-90A3-951C08CBE747}"/>
               </a:ext>
             </a:extLst>
           </p:cNvPr>
@@ -8250,7 +8250,7 @@
           <p:cNvPr id="2" name="Title 1">
             <a:extLst>
               <a:ext uri="{FF2B5EF4-FFF2-40B4-BE49-F238E27FC236}">
-                <a16:creationId xmlns="" xmlns:a16="http://schemas.microsoft.com/office/drawing/2014/main" id="{1D4D2E4D-BA70-48FD-87FE-56BEE3DDDD9B}"/>
+                <a16:creationId xmlns:a16="http://schemas.microsoft.com/office/drawing/2014/main" xmlns="" id="{1D4D2E4D-BA70-48FD-87FE-56BEE3DDDD9B}"/>
               </a:ext>
             </a:extLst>
           </p:cNvPr>
@@ -8278,7 +8278,7 @@
           <p:cNvPr id="3" name="Content Placeholder 2">
             <a:extLst>
               <a:ext uri="{FF2B5EF4-FFF2-40B4-BE49-F238E27FC236}">
-                <a16:creationId xmlns="" xmlns:a16="http://schemas.microsoft.com/office/drawing/2014/main" id="{2D33DA95-3E0D-4501-A9E4-DF1A0120DC96}"/>
+                <a16:creationId xmlns:a16="http://schemas.microsoft.com/office/drawing/2014/main" xmlns="" id="{2D33DA95-3E0D-4501-A9E4-DF1A0120DC96}"/>
               </a:ext>
             </a:extLst>
           </p:cNvPr>
@@ -8393,7 +8393,7 @@
           <p:cNvPr id="2" name="Title 1">
             <a:extLst>
               <a:ext uri="{FF2B5EF4-FFF2-40B4-BE49-F238E27FC236}">
-                <a16:creationId xmlns="" xmlns:a16="http://schemas.microsoft.com/office/drawing/2014/main" id="{89CD26F0-9D28-4362-8B6C-B64181BE78FB}"/>
+                <a16:creationId xmlns:a16="http://schemas.microsoft.com/office/drawing/2014/main" xmlns="" id="{89CD26F0-9D28-4362-8B6C-B64181BE78FB}"/>
               </a:ext>
             </a:extLst>
           </p:cNvPr>
@@ -8421,7 +8421,7 @@
           <p:cNvPr id="3" name="Content Placeholder 2">
             <a:extLst>
               <a:ext uri="{FF2B5EF4-FFF2-40B4-BE49-F238E27FC236}">
-                <a16:creationId xmlns="" xmlns:a16="http://schemas.microsoft.com/office/drawing/2014/main" id="{F8B3B345-A42D-48DE-9B7F-948C214878A0}"/>
+                <a16:creationId xmlns:a16="http://schemas.microsoft.com/office/drawing/2014/main" xmlns="" id="{F8B3B345-A42D-48DE-9B7F-948C214878A0}"/>
               </a:ext>
             </a:extLst>
           </p:cNvPr>
@@ -8548,7 +8548,7 @@
           <p:cNvPr id="2" name="Title 1">
             <a:extLst>
               <a:ext uri="{FF2B5EF4-FFF2-40B4-BE49-F238E27FC236}">
-                <a16:creationId xmlns="" xmlns:a16="http://schemas.microsoft.com/office/drawing/2014/main" id="{5397C029-4413-42ED-9A07-F1F8C5589B8B}"/>
+                <a16:creationId xmlns:a16="http://schemas.microsoft.com/office/drawing/2014/main" xmlns="" id="{5397C029-4413-42ED-9A07-F1F8C5589B8B}"/>
               </a:ext>
             </a:extLst>
           </p:cNvPr>
@@ -8576,7 +8576,7 @@
           <p:cNvPr id="3" name="Content Placeholder 2">
             <a:extLst>
               <a:ext uri="{FF2B5EF4-FFF2-40B4-BE49-F238E27FC236}">
-                <a16:creationId xmlns="" xmlns:a16="http://schemas.microsoft.com/office/drawing/2014/main" id="{11FC6B01-2DD0-4A90-A019-88D181FD6BD4}"/>
+                <a16:creationId xmlns:a16="http://schemas.microsoft.com/office/drawing/2014/main" xmlns="" id="{11FC6B01-2DD0-4A90-A019-88D181FD6BD4}"/>
               </a:ext>
             </a:extLst>
           </p:cNvPr>
@@ -8685,7 +8685,7 @@
           <p:cNvPr id="2" name="Title 1">
             <a:extLst>
               <a:ext uri="{FF2B5EF4-FFF2-40B4-BE49-F238E27FC236}">
-                <a16:creationId xmlns="" xmlns:a16="http://schemas.microsoft.com/office/drawing/2014/main" id="{C631021F-6AA4-43CC-AEC5-D6578AE998F8}"/>
+                <a16:creationId xmlns:a16="http://schemas.microsoft.com/office/drawing/2014/main" xmlns="" id="{C631021F-6AA4-43CC-AEC5-D6578AE998F8}"/>
               </a:ext>
             </a:extLst>
           </p:cNvPr>
@@ -8719,7 +8719,7 @@
           <p:cNvPr id="4" name="Content Placeholder 3">
             <a:extLst>
               <a:ext uri="{FF2B5EF4-FFF2-40B4-BE49-F238E27FC236}">
-                <a16:creationId xmlns="" xmlns:a16="http://schemas.microsoft.com/office/drawing/2014/main" id="{0798419D-4ADE-4D15-9143-7533B863D947}"/>
+                <a16:creationId xmlns:a16="http://schemas.microsoft.com/office/drawing/2014/main" xmlns="" id="{0798419D-4ADE-4D15-9143-7533B863D947}"/>
               </a:ext>
             </a:extLst>
           </p:cNvPr>
@@ -8745,14 +8745,14 @@
                 <a:gridCol w="4178596">
                   <a:extLst>
                     <a:ext uri="{9D8B030D-6E8A-4147-A177-3AD203B41FA5}">
-                      <a16:colId xmlns="" xmlns:a16="http://schemas.microsoft.com/office/drawing/2014/main" val="2675094539"/>
+                      <a16:colId xmlns:a16="http://schemas.microsoft.com/office/drawing/2014/main" xmlns="" val="2675094539"/>
                     </a:ext>
                   </a:extLst>
                 </a:gridCol>
                 <a:gridCol w="4178596">
                   <a:extLst>
                     <a:ext uri="{9D8B030D-6E8A-4147-A177-3AD203B41FA5}">
-                      <a16:colId xmlns="" xmlns:a16="http://schemas.microsoft.com/office/drawing/2014/main" val="341750211"/>
+                      <a16:colId xmlns:a16="http://schemas.microsoft.com/office/drawing/2014/main" xmlns="" val="341750211"/>
                     </a:ext>
                   </a:extLst>
                 </a:gridCol>
@@ -8830,7 +8830,7 @@
                 </a:tc>
                 <a:extLst>
                   <a:ext uri="{0D108BD9-81ED-4DB2-BD59-A6C34878D82A}">
-                    <a16:rowId xmlns="" xmlns:a16="http://schemas.microsoft.com/office/drawing/2014/main" val="775393179"/>
+                    <a16:rowId xmlns:a16="http://schemas.microsoft.com/office/drawing/2014/main" xmlns="" val="775393179"/>
                   </a:ext>
                 </a:extLst>
               </a:tr>
@@ -8914,7 +8914,7 @@
                 </a:tc>
                 <a:extLst>
                   <a:ext uri="{0D108BD9-81ED-4DB2-BD59-A6C34878D82A}">
-                    <a16:rowId xmlns="" xmlns:a16="http://schemas.microsoft.com/office/drawing/2014/main" val="2200277291"/>
+                    <a16:rowId xmlns:a16="http://schemas.microsoft.com/office/drawing/2014/main" xmlns="" val="2200277291"/>
                   </a:ext>
                 </a:extLst>
               </a:tr>
@@ -8998,7 +8998,7 @@
                 </a:tc>
                 <a:extLst>
                   <a:ext uri="{0D108BD9-81ED-4DB2-BD59-A6C34878D82A}">
-                    <a16:rowId xmlns="" xmlns:a16="http://schemas.microsoft.com/office/drawing/2014/main" val="3480962632"/>
+                    <a16:rowId xmlns:a16="http://schemas.microsoft.com/office/drawing/2014/main" xmlns="" val="3480962632"/>
                   </a:ext>
                 </a:extLst>
               </a:tr>
@@ -9082,7 +9082,7 @@
                 </a:tc>
                 <a:extLst>
                   <a:ext uri="{0D108BD9-81ED-4DB2-BD59-A6C34878D82A}">
-                    <a16:rowId xmlns="" xmlns:a16="http://schemas.microsoft.com/office/drawing/2014/main" val="1951627959"/>
+                    <a16:rowId xmlns:a16="http://schemas.microsoft.com/office/drawing/2014/main" xmlns="" val="1951627959"/>
                   </a:ext>
                 </a:extLst>
               </a:tr>
@@ -9187,7 +9187,7 @@
                 </a:tc>
                 <a:extLst>
                   <a:ext uri="{0D108BD9-81ED-4DB2-BD59-A6C34878D82A}">
-                    <a16:rowId xmlns="" xmlns:a16="http://schemas.microsoft.com/office/drawing/2014/main" val="845100811"/>
+                    <a16:rowId xmlns:a16="http://schemas.microsoft.com/office/drawing/2014/main" xmlns="" val="845100811"/>
                   </a:ext>
                 </a:extLst>
               </a:tr>
@@ -9271,7 +9271,7 @@
                 </a:tc>
                 <a:extLst>
                   <a:ext uri="{0D108BD9-81ED-4DB2-BD59-A6C34878D82A}">
-                    <a16:rowId xmlns="" xmlns:a16="http://schemas.microsoft.com/office/drawing/2014/main" val="2401026641"/>
+                    <a16:rowId xmlns:a16="http://schemas.microsoft.com/office/drawing/2014/main" xmlns="" val="2401026641"/>
                   </a:ext>
                 </a:extLst>
               </a:tr>
@@ -9355,7 +9355,7 @@
                 </a:tc>
                 <a:extLst>
                   <a:ext uri="{0D108BD9-81ED-4DB2-BD59-A6C34878D82A}">
-                    <a16:rowId xmlns="" xmlns:a16="http://schemas.microsoft.com/office/drawing/2014/main" val="2796925857"/>
+                    <a16:rowId xmlns:a16="http://schemas.microsoft.com/office/drawing/2014/main" xmlns="" val="2796925857"/>
                   </a:ext>
                 </a:extLst>
               </a:tr>
@@ -9460,7 +9460,7 @@
                 </a:tc>
                 <a:extLst>
                   <a:ext uri="{0D108BD9-81ED-4DB2-BD59-A6C34878D82A}">
-                    <a16:rowId xmlns="" xmlns:a16="http://schemas.microsoft.com/office/drawing/2014/main" val="2623319116"/>
+                    <a16:rowId xmlns:a16="http://schemas.microsoft.com/office/drawing/2014/main" xmlns="" val="2623319116"/>
                   </a:ext>
                 </a:extLst>
               </a:tr>
@@ -9612,7 +9612,7 @@
           <p:cNvPr id="2" name="Title 1">
             <a:extLst>
               <a:ext uri="{FF2B5EF4-FFF2-40B4-BE49-F238E27FC236}">
-                <a16:creationId xmlns="" xmlns:a16="http://schemas.microsoft.com/office/drawing/2014/main" id="{9CC9E234-B0C8-47C2-9AFC-5A0779DD4BB9}"/>
+                <a16:creationId xmlns:a16="http://schemas.microsoft.com/office/drawing/2014/main" xmlns="" id="{9CC9E234-B0C8-47C2-9AFC-5A0779DD4BB9}"/>
               </a:ext>
             </a:extLst>
           </p:cNvPr>
@@ -9670,7 +9670,7 @@
           <p:cNvPr id="2" name="Title 1">
             <a:extLst>
               <a:ext uri="{FF2B5EF4-FFF2-40B4-BE49-F238E27FC236}">
-                <a16:creationId xmlns="" xmlns:a16="http://schemas.microsoft.com/office/drawing/2014/main" id="{4632AEFB-69B5-404A-BF1A-B0317BD5DAE6}"/>
+                <a16:creationId xmlns:a16="http://schemas.microsoft.com/office/drawing/2014/main" xmlns="" id="{4632AEFB-69B5-404A-BF1A-B0317BD5DAE6}"/>
               </a:ext>
             </a:extLst>
           </p:cNvPr>
@@ -9698,7 +9698,7 @@
           <p:cNvPr id="3" name="Content Placeholder 2">
             <a:extLst>
               <a:ext uri="{FF2B5EF4-FFF2-40B4-BE49-F238E27FC236}">
-                <a16:creationId xmlns="" xmlns:a16="http://schemas.microsoft.com/office/drawing/2014/main" id="{B9255892-B1BE-4F6A-B926-B5A6C101E0BF}"/>
+                <a16:creationId xmlns:a16="http://schemas.microsoft.com/office/drawing/2014/main" xmlns="" id="{B9255892-B1BE-4F6A-B926-B5A6C101E0BF}"/>
               </a:ext>
             </a:extLst>
           </p:cNvPr>
@@ -9837,7 +9837,7 @@
           <p:cNvPr id="2" name="Title 1">
             <a:extLst>
               <a:ext uri="{FF2B5EF4-FFF2-40B4-BE49-F238E27FC236}">
-                <a16:creationId xmlns="" xmlns:a16="http://schemas.microsoft.com/office/drawing/2014/main" id="{24336E3E-C665-498B-9406-B9B33EECE024}"/>
+                <a16:creationId xmlns:a16="http://schemas.microsoft.com/office/drawing/2014/main" xmlns="" id="{24336E3E-C665-498B-9406-B9B33EECE024}"/>
               </a:ext>
             </a:extLst>
           </p:cNvPr>
@@ -9865,7 +9865,7 @@
           <p:cNvPr id="3" name="Content Placeholder 2">
             <a:extLst>
               <a:ext uri="{FF2B5EF4-FFF2-40B4-BE49-F238E27FC236}">
-                <a16:creationId xmlns="" xmlns:a16="http://schemas.microsoft.com/office/drawing/2014/main" id="{3D0C108C-7D27-47A7-9ABA-85D54D3D2B8C}"/>
+                <a16:creationId xmlns:a16="http://schemas.microsoft.com/office/drawing/2014/main" xmlns="" id="{3D0C108C-7D27-47A7-9ABA-85D54D3D2B8C}"/>
               </a:ext>
             </a:extLst>
           </p:cNvPr>
@@ -9980,7 +9980,7 @@
           <p:cNvPr id="2" name="Title 1">
             <a:extLst>
               <a:ext uri="{FF2B5EF4-FFF2-40B4-BE49-F238E27FC236}">
-                <a16:creationId xmlns="" xmlns:a16="http://schemas.microsoft.com/office/drawing/2014/main" id="{C631021F-6AA4-43CC-AEC5-D6578AE998F8}"/>
+                <a16:creationId xmlns:a16="http://schemas.microsoft.com/office/drawing/2014/main" xmlns="" id="{C631021F-6AA4-43CC-AEC5-D6578AE998F8}"/>
               </a:ext>
             </a:extLst>
           </p:cNvPr>
@@ -10014,7 +10014,7 @@
           <p:cNvPr id="6" name="Content Placeholder 5">
             <a:extLst>
               <a:ext uri="{FF2B5EF4-FFF2-40B4-BE49-F238E27FC236}">
-                <a16:creationId xmlns="" xmlns:a16="http://schemas.microsoft.com/office/drawing/2014/main" id="{C648F6D5-4B47-46CD-ADC1-32EA408B03AB}"/>
+                <a16:creationId xmlns:a16="http://schemas.microsoft.com/office/drawing/2014/main" xmlns="" id="{C648F6D5-4B47-46CD-ADC1-32EA408B03AB}"/>
               </a:ext>
             </a:extLst>
           </p:cNvPr>
@@ -10044,14 +10044,14 @@
                 <a:gridCol w="4279605">
                   <a:extLst>
                     <a:ext uri="{9D8B030D-6E8A-4147-A177-3AD203B41FA5}">
-                      <a16:colId xmlns="" xmlns:a16="http://schemas.microsoft.com/office/drawing/2014/main" val="3452439591"/>
+                      <a16:colId xmlns:a16="http://schemas.microsoft.com/office/drawing/2014/main" xmlns="" val="3452439591"/>
                     </a:ext>
                   </a:extLst>
                 </a:gridCol>
                 <a:gridCol w="4279605">
                   <a:extLst>
                     <a:ext uri="{9D8B030D-6E8A-4147-A177-3AD203B41FA5}">
-                      <a16:colId xmlns="" xmlns:a16="http://schemas.microsoft.com/office/drawing/2014/main" val="4185120938"/>
+                      <a16:colId xmlns:a16="http://schemas.microsoft.com/office/drawing/2014/main" xmlns="" val="4185120938"/>
                     </a:ext>
                   </a:extLst>
                 </a:gridCol>
@@ -10129,7 +10129,7 @@
                 </a:tc>
                 <a:extLst>
                   <a:ext uri="{0D108BD9-81ED-4DB2-BD59-A6C34878D82A}">
-                    <a16:rowId xmlns="" xmlns:a16="http://schemas.microsoft.com/office/drawing/2014/main" val="3062491079"/>
+                    <a16:rowId xmlns:a16="http://schemas.microsoft.com/office/drawing/2014/main" xmlns="" val="3062491079"/>
                   </a:ext>
                 </a:extLst>
               </a:tr>
@@ -10219,7 +10219,7 @@
                 </a:tc>
                 <a:extLst>
                   <a:ext uri="{0D108BD9-81ED-4DB2-BD59-A6C34878D82A}">
-                    <a16:rowId xmlns="" xmlns:a16="http://schemas.microsoft.com/office/drawing/2014/main" val="2039111959"/>
+                    <a16:rowId xmlns:a16="http://schemas.microsoft.com/office/drawing/2014/main" xmlns="" val="2039111959"/>
                   </a:ext>
                 </a:extLst>
               </a:tr>
@@ -10372,7 +10372,7 @@
                 </a:tc>
                 <a:extLst>
                   <a:ext uri="{0D108BD9-81ED-4DB2-BD59-A6C34878D82A}">
-                    <a16:rowId xmlns="" xmlns:a16="http://schemas.microsoft.com/office/drawing/2014/main" val="3488035664"/>
+                    <a16:rowId xmlns:a16="http://schemas.microsoft.com/office/drawing/2014/main" xmlns="" val="3488035664"/>
                   </a:ext>
                 </a:extLst>
               </a:tr>
@@ -10462,7 +10462,7 @@
                 </a:tc>
                 <a:extLst>
                   <a:ext uri="{0D108BD9-81ED-4DB2-BD59-A6C34878D82A}">
-                    <a16:rowId xmlns="" xmlns:a16="http://schemas.microsoft.com/office/drawing/2014/main" val="2680798060"/>
+                    <a16:rowId xmlns:a16="http://schemas.microsoft.com/office/drawing/2014/main" xmlns="" val="2680798060"/>
                   </a:ext>
                 </a:extLst>
               </a:tr>
@@ -10505,7 +10505,7 @@
           <p:cNvPr id="2" name="Title 1">
             <a:extLst>
               <a:ext uri="{FF2B5EF4-FFF2-40B4-BE49-F238E27FC236}">
-                <a16:creationId xmlns="" xmlns:a16="http://schemas.microsoft.com/office/drawing/2014/main" id="{2405760F-4DD3-42F1-B6FB-33654D5ED671}"/>
+                <a16:creationId xmlns:a16="http://schemas.microsoft.com/office/drawing/2014/main" xmlns="" id="{2405760F-4DD3-42F1-B6FB-33654D5ED671}"/>
               </a:ext>
             </a:extLst>
           </p:cNvPr>
@@ -10533,7 +10533,7 @@
           <p:cNvPr id="3" name="Subtitle 2">
             <a:extLst>
               <a:ext uri="{FF2B5EF4-FFF2-40B4-BE49-F238E27FC236}">
-                <a16:creationId xmlns="" xmlns:a16="http://schemas.microsoft.com/office/drawing/2014/main" id="{B237A572-37BD-45DF-912F-4061C4FF10FD}"/>
+                <a16:creationId xmlns:a16="http://schemas.microsoft.com/office/drawing/2014/main" xmlns="" id="{B237A572-37BD-45DF-912F-4061C4FF10FD}"/>
               </a:ext>
             </a:extLst>
           </p:cNvPr>
@@ -10599,7 +10599,7 @@
           <p:cNvPr id="2" name="Title 1">
             <a:extLst>
               <a:ext uri="{FF2B5EF4-FFF2-40B4-BE49-F238E27FC236}">
-                <a16:creationId xmlns="" xmlns:a16="http://schemas.microsoft.com/office/drawing/2014/main" id="{256C43DC-7101-4A38-8F30-C6B352679AEE}"/>
+                <a16:creationId xmlns:a16="http://schemas.microsoft.com/office/drawing/2014/main" xmlns="" id="{256C43DC-7101-4A38-8F30-C6B352679AEE}"/>
               </a:ext>
             </a:extLst>
           </p:cNvPr>
@@ -10627,7 +10627,7 @@
           <p:cNvPr id="3" name="Content Placeholder 2">
             <a:extLst>
               <a:ext uri="{FF2B5EF4-FFF2-40B4-BE49-F238E27FC236}">
-                <a16:creationId xmlns="" xmlns:a16="http://schemas.microsoft.com/office/drawing/2014/main" id="{82749E27-A6A9-4A42-829F-574D7AF5F448}"/>
+                <a16:creationId xmlns:a16="http://schemas.microsoft.com/office/drawing/2014/main" xmlns="" id="{82749E27-A6A9-4A42-829F-574D7AF5F448}"/>
               </a:ext>
             </a:extLst>
           </p:cNvPr>
@@ -10727,7 +10727,7 @@
           <p:cNvPr id="2" name="Title 1">
             <a:extLst>
               <a:ext uri="{FF2B5EF4-FFF2-40B4-BE49-F238E27FC236}">
-                <a16:creationId xmlns="" xmlns:a16="http://schemas.microsoft.com/office/drawing/2014/main" id="{530B0EC5-236D-4BA9-92C7-49C3947F43A6}"/>
+                <a16:creationId xmlns:a16="http://schemas.microsoft.com/office/drawing/2014/main" xmlns="" id="{530B0EC5-236D-4BA9-92C7-49C3947F43A6}"/>
               </a:ext>
             </a:extLst>
           </p:cNvPr>
@@ -10755,7 +10755,7 @@
           <p:cNvPr id="3" name="Content Placeholder 2">
             <a:extLst>
               <a:ext uri="{FF2B5EF4-FFF2-40B4-BE49-F238E27FC236}">
-                <a16:creationId xmlns="" xmlns:a16="http://schemas.microsoft.com/office/drawing/2014/main" id="{F2AE9DA4-F468-4ABF-B8CB-89D4C7A35D17}"/>
+                <a16:creationId xmlns:a16="http://schemas.microsoft.com/office/drawing/2014/main" xmlns="" id="{F2AE9DA4-F468-4ABF-B8CB-89D4C7A35D17}"/>
               </a:ext>
             </a:extLst>
           </p:cNvPr>
@@ -10837,7 +10837,7 @@
           <p:cNvPr id="2" name="Title 1">
             <a:extLst>
               <a:ext uri="{FF2B5EF4-FFF2-40B4-BE49-F238E27FC236}">
-                <a16:creationId xmlns="" xmlns:a16="http://schemas.microsoft.com/office/drawing/2014/main" id="{9C08F0C8-D4BF-43B7-B9F4-E0F526A36E56}"/>
+                <a16:creationId xmlns:a16="http://schemas.microsoft.com/office/drawing/2014/main" xmlns="" id="{9C08F0C8-D4BF-43B7-B9F4-E0F526A36E56}"/>
               </a:ext>
             </a:extLst>
           </p:cNvPr>
@@ -10865,7 +10865,7 @@
           <p:cNvPr id="3" name="Content Placeholder 2">
             <a:extLst>
               <a:ext uri="{FF2B5EF4-FFF2-40B4-BE49-F238E27FC236}">
-                <a16:creationId xmlns="" xmlns:a16="http://schemas.microsoft.com/office/drawing/2014/main" id="{057384BE-87FC-4B03-BB63-1C278C6EF4B0}"/>
+                <a16:creationId xmlns:a16="http://schemas.microsoft.com/office/drawing/2014/main" xmlns="" id="{057384BE-87FC-4B03-BB63-1C278C6EF4B0}"/>
               </a:ext>
             </a:extLst>
           </p:cNvPr>
@@ -10980,7 +10980,7 @@
           <p:cNvPr id="2" name="Title 1">
             <a:extLst>
               <a:ext uri="{FF2B5EF4-FFF2-40B4-BE49-F238E27FC236}">
-                <a16:creationId xmlns="" xmlns:a16="http://schemas.microsoft.com/office/drawing/2014/main" id="{31536071-8BB0-40B9-A752-D9038FAC903F}"/>
+                <a16:creationId xmlns:a16="http://schemas.microsoft.com/office/drawing/2014/main" xmlns="" id="{31536071-8BB0-40B9-A752-D9038FAC903F}"/>
               </a:ext>
             </a:extLst>
           </p:cNvPr>
@@ -11008,7 +11008,7 @@
           <p:cNvPr id="3" name="Content Placeholder 2">
             <a:extLst>
               <a:ext uri="{FF2B5EF4-FFF2-40B4-BE49-F238E27FC236}">
-                <a16:creationId xmlns="" xmlns:a16="http://schemas.microsoft.com/office/drawing/2014/main" id="{A333D2AB-186B-482E-BE7C-2CF80115E82D}"/>
+                <a16:creationId xmlns:a16="http://schemas.microsoft.com/office/drawing/2014/main" xmlns="" id="{A333D2AB-186B-482E-BE7C-2CF80115E82D}"/>
               </a:ext>
             </a:extLst>
           </p:cNvPr>
@@ -11313,7 +11313,7 @@
           <p:cNvPr id="2" name="Title 1">
             <a:extLst>
               <a:ext uri="{FF2B5EF4-FFF2-40B4-BE49-F238E27FC236}">
-                <a16:creationId xmlns="" xmlns:a16="http://schemas.microsoft.com/office/drawing/2014/main" id="{E9B6AF24-832D-4C6C-A092-72B1E501FCF2}"/>
+                <a16:creationId xmlns:a16="http://schemas.microsoft.com/office/drawing/2014/main" xmlns="" id="{E9B6AF24-832D-4C6C-A092-72B1E501FCF2}"/>
               </a:ext>
             </a:extLst>
           </p:cNvPr>
@@ -11348,7 +11348,7 @@
           <p:cNvPr id="3" name="Content Placeholder 2">
             <a:extLst>
               <a:ext uri="{FF2B5EF4-FFF2-40B4-BE49-F238E27FC236}">
-                <a16:creationId xmlns="" xmlns:a16="http://schemas.microsoft.com/office/drawing/2014/main" id="{0A024007-CC1F-4B3B-9776-6246DB696E61}"/>
+                <a16:creationId xmlns:a16="http://schemas.microsoft.com/office/drawing/2014/main" xmlns="" id="{0A024007-CC1F-4B3B-9776-6246DB696E61}"/>
               </a:ext>
             </a:extLst>
           </p:cNvPr>
@@ -11529,7 +11529,7 @@
           <p:cNvPr id="2" name="Title 1">
             <a:extLst>
               <a:ext uri="{FF2B5EF4-FFF2-40B4-BE49-F238E27FC236}">
-                <a16:creationId xmlns="" xmlns:a16="http://schemas.microsoft.com/office/drawing/2014/main" id="{E9B6AF24-832D-4C6C-A092-72B1E501FCF2}"/>
+                <a16:creationId xmlns:a16="http://schemas.microsoft.com/office/drawing/2014/main" xmlns="" id="{E9B6AF24-832D-4C6C-A092-72B1E501FCF2}"/>
               </a:ext>
             </a:extLst>
           </p:cNvPr>
@@ -11574,7 +11574,7 @@
           <p:cNvPr id="3" name="Content Placeholder 2">
             <a:extLst>
               <a:ext uri="{FF2B5EF4-FFF2-40B4-BE49-F238E27FC236}">
-                <a16:creationId xmlns="" xmlns:a16="http://schemas.microsoft.com/office/drawing/2014/main" id="{0A024007-CC1F-4B3B-9776-6246DB696E61}"/>
+                <a16:creationId xmlns:a16="http://schemas.microsoft.com/office/drawing/2014/main" xmlns="" id="{0A024007-CC1F-4B3B-9776-6246DB696E61}"/>
               </a:ext>
             </a:extLst>
           </p:cNvPr>
@@ -11755,7 +11755,7 @@
           <p:cNvPr id="2" name="Title 1">
             <a:extLst>
               <a:ext uri="{FF2B5EF4-FFF2-40B4-BE49-F238E27FC236}">
-                <a16:creationId xmlns="" xmlns:a16="http://schemas.microsoft.com/office/drawing/2014/main" id="{D229CA11-7D61-4D11-A9DC-FD233A2B49DD}"/>
+                <a16:creationId xmlns:a16="http://schemas.microsoft.com/office/drawing/2014/main" xmlns="" id="{D229CA11-7D61-4D11-A9DC-FD233A2B49DD}"/>
               </a:ext>
             </a:extLst>
           </p:cNvPr>
@@ -11786,7 +11786,7 @@
           <p:cNvPr id="3" name="Content Placeholder 2">
             <a:extLst>
               <a:ext uri="{FF2B5EF4-FFF2-40B4-BE49-F238E27FC236}">
-                <a16:creationId xmlns="" xmlns:a16="http://schemas.microsoft.com/office/drawing/2014/main" id="{5EDF7428-30E7-4D3A-BD97-722D890A25EE}"/>
+                <a16:creationId xmlns:a16="http://schemas.microsoft.com/office/drawing/2014/main" xmlns="" id="{5EDF7428-30E7-4D3A-BD97-722D890A25EE}"/>
               </a:ext>
             </a:extLst>
           </p:cNvPr>
@@ -11854,7 +11854,7 @@
           <p:cNvPr id="2" name="Title 1">
             <a:extLst>
               <a:ext uri="{FF2B5EF4-FFF2-40B4-BE49-F238E27FC236}">
-                <a16:creationId xmlns="" xmlns:a16="http://schemas.microsoft.com/office/drawing/2014/main" id="{075A448E-3333-4217-9989-D28EB66BDEB0}"/>
+                <a16:creationId xmlns:a16="http://schemas.microsoft.com/office/drawing/2014/main" xmlns="" id="{075A448E-3333-4217-9989-D28EB66BDEB0}"/>
               </a:ext>
             </a:extLst>
           </p:cNvPr>
@@ -11889,7 +11889,7 @@
           <p:cNvPr id="3" name="Content Placeholder 2">
             <a:extLst>
               <a:ext uri="{FF2B5EF4-FFF2-40B4-BE49-F238E27FC236}">
-                <a16:creationId xmlns="" xmlns:a16="http://schemas.microsoft.com/office/drawing/2014/main" id="{DD323EF4-FE10-43FE-A8C3-C08FB5BF509E}"/>
+                <a16:creationId xmlns:a16="http://schemas.microsoft.com/office/drawing/2014/main" xmlns="" id="{DD323EF4-FE10-43FE-A8C3-C08FB5BF509E}"/>
               </a:ext>
             </a:extLst>
           </p:cNvPr>
@@ -11992,7 +11992,7 @@
           <p:cNvPr id="2" name="Title 1">
             <a:extLst>
               <a:ext uri="{FF2B5EF4-FFF2-40B4-BE49-F238E27FC236}">
-                <a16:creationId xmlns="" xmlns:a16="http://schemas.microsoft.com/office/drawing/2014/main" id="{18BCB5DB-9B0F-40B7-B3CA-62139B44ECA9}"/>
+                <a16:creationId xmlns:a16="http://schemas.microsoft.com/office/drawing/2014/main" xmlns="" id="{18BCB5DB-9B0F-40B7-B3CA-62139B44ECA9}"/>
               </a:ext>
             </a:extLst>
           </p:cNvPr>
@@ -12028,7 +12028,7 @@
           <p:cNvPr id="3" name="Content Placeholder 2">
             <a:extLst>
               <a:ext uri="{FF2B5EF4-FFF2-40B4-BE49-F238E27FC236}">
-                <a16:creationId xmlns="" xmlns:a16="http://schemas.microsoft.com/office/drawing/2014/main" id="{04FE551F-68AD-4C4E-A71C-9680CEEFD7B2}"/>
+                <a16:creationId xmlns:a16="http://schemas.microsoft.com/office/drawing/2014/main" xmlns="" id="{04FE551F-68AD-4C4E-A71C-9680CEEFD7B2}"/>
               </a:ext>
             </a:extLst>
           </p:cNvPr>
@@ -12096,7 +12096,7 @@
           <p:cNvPr id="2" name="Title 1">
             <a:extLst>
               <a:ext uri="{FF2B5EF4-FFF2-40B4-BE49-F238E27FC236}">
-                <a16:creationId xmlns="" xmlns:a16="http://schemas.microsoft.com/office/drawing/2014/main" id="{B235640A-9DF0-48C3-A602-09B1A0BF9C89}"/>
+                <a16:creationId xmlns:a16="http://schemas.microsoft.com/office/drawing/2014/main" xmlns="" id="{B235640A-9DF0-48C3-A602-09B1A0BF9C89}"/>
               </a:ext>
             </a:extLst>
           </p:cNvPr>
@@ -12131,7 +12131,7 @@
           <p:cNvPr id="3" name="Content Placeholder 2">
             <a:extLst>
               <a:ext uri="{FF2B5EF4-FFF2-40B4-BE49-F238E27FC236}">
-                <a16:creationId xmlns="" xmlns:a16="http://schemas.microsoft.com/office/drawing/2014/main" id="{06C787EE-472D-4094-BBB9-3DC366A8F581}"/>
+                <a16:creationId xmlns:a16="http://schemas.microsoft.com/office/drawing/2014/main" xmlns="" id="{06C787EE-472D-4094-BBB9-3DC366A8F581}"/>
               </a:ext>
             </a:extLst>
           </p:cNvPr>
@@ -12272,7 +12272,7 @@
           <p:cNvPr id="2" name="Title 1">
             <a:extLst>
               <a:ext uri="{FF2B5EF4-FFF2-40B4-BE49-F238E27FC236}">
-                <a16:creationId xmlns="" xmlns:a16="http://schemas.microsoft.com/office/drawing/2014/main" id="{18BCB5DB-9B0F-40B7-B3CA-62139B44ECA9}"/>
+                <a16:creationId xmlns:a16="http://schemas.microsoft.com/office/drawing/2014/main" xmlns="" id="{18BCB5DB-9B0F-40B7-B3CA-62139B44ECA9}"/>
               </a:ext>
             </a:extLst>
           </p:cNvPr>
@@ -12370,7 +12370,7 @@
           <p:cNvPr id="2" name="Title 1">
             <a:extLst>
               <a:ext uri="{FF2B5EF4-FFF2-40B4-BE49-F238E27FC236}">
-                <a16:creationId xmlns="" xmlns:a16="http://schemas.microsoft.com/office/drawing/2014/main" id="{020CBA32-4561-4C72-90A3-951C08CBE747}"/>
+                <a16:creationId xmlns:a16="http://schemas.microsoft.com/office/drawing/2014/main" xmlns="" id="{020CBA32-4561-4C72-90A3-951C08CBE747}"/>
               </a:ext>
             </a:extLst>
           </p:cNvPr>
@@ -12429,7 +12429,7 @@
           <p:cNvPr id="2" name="Title 1">
             <a:extLst>
               <a:ext uri="{FF2B5EF4-FFF2-40B4-BE49-F238E27FC236}">
-                <a16:creationId xmlns="" xmlns:a16="http://schemas.microsoft.com/office/drawing/2014/main" id="{18BCB5DB-9B0F-40B7-B3CA-62139B44ECA9}"/>
+                <a16:creationId xmlns:a16="http://schemas.microsoft.com/office/drawing/2014/main" xmlns="" id="{18BCB5DB-9B0F-40B7-B3CA-62139B44ECA9}"/>
               </a:ext>
             </a:extLst>
           </p:cNvPr>
@@ -12527,7 +12527,7 @@
           <p:cNvPr id="2" name="Title 1">
             <a:extLst>
               <a:ext uri="{FF2B5EF4-FFF2-40B4-BE49-F238E27FC236}">
-                <a16:creationId xmlns="" xmlns:a16="http://schemas.microsoft.com/office/drawing/2014/main" id="{18BCB5DB-9B0F-40B7-B3CA-62139B44ECA9}"/>
+                <a16:creationId xmlns:a16="http://schemas.microsoft.com/office/drawing/2014/main" xmlns="" id="{18BCB5DB-9B0F-40B7-B3CA-62139B44ECA9}"/>
               </a:ext>
             </a:extLst>
           </p:cNvPr>
@@ -12625,7 +12625,7 @@
           <p:cNvPr id="2" name="Title 1">
             <a:extLst>
               <a:ext uri="{FF2B5EF4-FFF2-40B4-BE49-F238E27FC236}">
-                <a16:creationId xmlns="" xmlns:a16="http://schemas.microsoft.com/office/drawing/2014/main" id="{BAA2F0EC-C5FF-436E-B1DA-72E7C51122CF}"/>
+                <a16:creationId xmlns:a16="http://schemas.microsoft.com/office/drawing/2014/main" xmlns="" id="{BAA2F0EC-C5FF-436E-B1DA-72E7C51122CF}"/>
               </a:ext>
             </a:extLst>
           </p:cNvPr>
@@ -12658,7 +12658,7 @@
           <p:cNvPr id="3" name="Content Placeholder 2">
             <a:extLst>
               <a:ext uri="{FF2B5EF4-FFF2-40B4-BE49-F238E27FC236}">
-                <a16:creationId xmlns="" xmlns:a16="http://schemas.microsoft.com/office/drawing/2014/main" id="{9F2C06DC-6AF6-433A-8EC6-D4C645A3E375}"/>
+                <a16:creationId xmlns:a16="http://schemas.microsoft.com/office/drawing/2014/main" xmlns="" id="{9F2C06DC-6AF6-433A-8EC6-D4C645A3E375}"/>
               </a:ext>
             </a:extLst>
           </p:cNvPr>
@@ -12801,7 +12801,7 @@
           <p:cNvPr id="2" name="Title 1">
             <a:extLst>
               <a:ext uri="{FF2B5EF4-FFF2-40B4-BE49-F238E27FC236}">
-                <a16:creationId xmlns="" xmlns:a16="http://schemas.microsoft.com/office/drawing/2014/main" id="{18BCB5DB-9B0F-40B7-B3CA-62139B44ECA9}"/>
+                <a16:creationId xmlns:a16="http://schemas.microsoft.com/office/drawing/2014/main" xmlns="" id="{18BCB5DB-9B0F-40B7-B3CA-62139B44ECA9}"/>
               </a:ext>
             </a:extLst>
           </p:cNvPr>
@@ -12899,7 +12899,7 @@
           <p:cNvPr id="2" name="Title 1">
             <a:extLst>
               <a:ext uri="{FF2B5EF4-FFF2-40B4-BE49-F238E27FC236}">
-                <a16:creationId xmlns="" xmlns:a16="http://schemas.microsoft.com/office/drawing/2014/main" id="{18BCB5DB-9B0F-40B7-B3CA-62139B44ECA9}"/>
+                <a16:creationId xmlns:a16="http://schemas.microsoft.com/office/drawing/2014/main" xmlns="" id="{18BCB5DB-9B0F-40B7-B3CA-62139B44ECA9}"/>
               </a:ext>
             </a:extLst>
           </p:cNvPr>
@@ -12997,7 +12997,7 @@
           <p:cNvPr id="2" name="Title 1">
             <a:extLst>
               <a:ext uri="{FF2B5EF4-FFF2-40B4-BE49-F238E27FC236}">
-                <a16:creationId xmlns="" xmlns:a16="http://schemas.microsoft.com/office/drawing/2014/main" id="{18BCB5DB-9B0F-40B7-B3CA-62139B44ECA9}"/>
+                <a16:creationId xmlns:a16="http://schemas.microsoft.com/office/drawing/2014/main" xmlns="" id="{18BCB5DB-9B0F-40B7-B3CA-62139B44ECA9}"/>
               </a:ext>
             </a:extLst>
           </p:cNvPr>
@@ -13095,7 +13095,7 @@
           <p:cNvPr id="2" name="Title 1">
             <a:extLst>
               <a:ext uri="{FF2B5EF4-FFF2-40B4-BE49-F238E27FC236}">
-                <a16:creationId xmlns="" xmlns:a16="http://schemas.microsoft.com/office/drawing/2014/main" id="{18BCB5DB-9B0F-40B7-B3CA-62139B44ECA9}"/>
+                <a16:creationId xmlns:a16="http://schemas.microsoft.com/office/drawing/2014/main" xmlns="" id="{18BCB5DB-9B0F-40B7-B3CA-62139B44ECA9}"/>
               </a:ext>
             </a:extLst>
           </p:cNvPr>
@@ -13193,7 +13193,7 @@
           <p:cNvPr id="2" name="Title 1">
             <a:extLst>
               <a:ext uri="{FF2B5EF4-FFF2-40B4-BE49-F238E27FC236}">
-                <a16:creationId xmlns="" xmlns:a16="http://schemas.microsoft.com/office/drawing/2014/main" id="{18BCB5DB-9B0F-40B7-B3CA-62139B44ECA9}"/>
+                <a16:creationId xmlns:a16="http://schemas.microsoft.com/office/drawing/2014/main" xmlns="" id="{18BCB5DB-9B0F-40B7-B3CA-62139B44ECA9}"/>
               </a:ext>
             </a:extLst>
           </p:cNvPr>
@@ -13291,7 +13291,7 @@
           <p:cNvPr id="2" name="Title 1">
             <a:extLst>
               <a:ext uri="{FF2B5EF4-FFF2-40B4-BE49-F238E27FC236}">
-                <a16:creationId xmlns="" xmlns:a16="http://schemas.microsoft.com/office/drawing/2014/main" id="{18BCB5DB-9B0F-40B7-B3CA-62139B44ECA9}"/>
+                <a16:creationId xmlns:a16="http://schemas.microsoft.com/office/drawing/2014/main" xmlns="" id="{18BCB5DB-9B0F-40B7-B3CA-62139B44ECA9}"/>
               </a:ext>
             </a:extLst>
           </p:cNvPr>
@@ -13389,7 +13389,7 @@
           <p:cNvPr id="2" name="Title 1">
             <a:extLst>
               <a:ext uri="{FF2B5EF4-FFF2-40B4-BE49-F238E27FC236}">
-                <a16:creationId xmlns="" xmlns:a16="http://schemas.microsoft.com/office/drawing/2014/main" id="{18BCB5DB-9B0F-40B7-B3CA-62139B44ECA9}"/>
+                <a16:creationId xmlns:a16="http://schemas.microsoft.com/office/drawing/2014/main" xmlns="" id="{18BCB5DB-9B0F-40B7-B3CA-62139B44ECA9}"/>
               </a:ext>
             </a:extLst>
           </p:cNvPr>
@@ -13487,7 +13487,7 @@
           <p:cNvPr id="2" name="Title 1">
             <a:extLst>
               <a:ext uri="{FF2B5EF4-FFF2-40B4-BE49-F238E27FC236}">
-                <a16:creationId xmlns="" xmlns:a16="http://schemas.microsoft.com/office/drawing/2014/main" id="{18BCB5DB-9B0F-40B7-B3CA-62139B44ECA9}"/>
+                <a16:creationId xmlns:a16="http://schemas.microsoft.com/office/drawing/2014/main" xmlns="" id="{18BCB5DB-9B0F-40B7-B3CA-62139B44ECA9}"/>
               </a:ext>
             </a:extLst>
           </p:cNvPr>
@@ -13585,7 +13585,7 @@
           <p:cNvPr id="2" name="Title 1">
             <a:extLst>
               <a:ext uri="{FF2B5EF4-FFF2-40B4-BE49-F238E27FC236}">
-                <a16:creationId xmlns="" xmlns:a16="http://schemas.microsoft.com/office/drawing/2014/main" id="{18BCB5DB-9B0F-40B7-B3CA-62139B44ECA9}"/>
+                <a16:creationId xmlns:a16="http://schemas.microsoft.com/office/drawing/2014/main" xmlns="" id="{18BCB5DB-9B0F-40B7-B3CA-62139B44ECA9}"/>
               </a:ext>
             </a:extLst>
           </p:cNvPr>
@@ -13683,7 +13683,7 @@
           <p:cNvPr id="2" name="Title 1">
             <a:extLst>
               <a:ext uri="{FF2B5EF4-FFF2-40B4-BE49-F238E27FC236}">
-                <a16:creationId xmlns="" xmlns:a16="http://schemas.microsoft.com/office/drawing/2014/main" id="{18BCB5DB-9B0F-40B7-B3CA-62139B44ECA9}"/>
+                <a16:creationId xmlns:a16="http://schemas.microsoft.com/office/drawing/2014/main" xmlns="" id="{18BCB5DB-9B0F-40B7-B3CA-62139B44ECA9}"/>
               </a:ext>
             </a:extLst>
           </p:cNvPr>
@@ -13781,7 +13781,7 @@
           <p:cNvPr id="2" name="Title 1">
             <a:extLst>
               <a:ext uri="{FF2B5EF4-FFF2-40B4-BE49-F238E27FC236}">
-                <a16:creationId xmlns="" xmlns:a16="http://schemas.microsoft.com/office/drawing/2014/main" id="{BAA2F0EC-C5FF-436E-B1DA-72E7C51122CF}"/>
+                <a16:creationId xmlns:a16="http://schemas.microsoft.com/office/drawing/2014/main" xmlns="" id="{BAA2F0EC-C5FF-436E-B1DA-72E7C51122CF}"/>
               </a:ext>
             </a:extLst>
           </p:cNvPr>
@@ -13816,7 +13816,7 @@
           <p:cNvPr id="3" name="Content Placeholder 2">
             <a:extLst>
               <a:ext uri="{FF2B5EF4-FFF2-40B4-BE49-F238E27FC236}">
-                <a16:creationId xmlns="" xmlns:a16="http://schemas.microsoft.com/office/drawing/2014/main" id="{9F2C06DC-6AF6-433A-8EC6-D4C645A3E375}"/>
+                <a16:creationId xmlns:a16="http://schemas.microsoft.com/office/drawing/2014/main" xmlns="" id="{9F2C06DC-6AF6-433A-8EC6-D4C645A3E375}"/>
               </a:ext>
             </a:extLst>
           </p:cNvPr>
@@ -13879,7 +13879,7 @@
           <p:cNvPr id="2" name="Title 1">
             <a:extLst>
               <a:ext uri="{FF2B5EF4-FFF2-40B4-BE49-F238E27FC236}">
-                <a16:creationId xmlns="" xmlns:a16="http://schemas.microsoft.com/office/drawing/2014/main" id="{18BCB5DB-9B0F-40B7-B3CA-62139B44ECA9}"/>
+                <a16:creationId xmlns:a16="http://schemas.microsoft.com/office/drawing/2014/main" xmlns="" id="{18BCB5DB-9B0F-40B7-B3CA-62139B44ECA9}"/>
               </a:ext>
             </a:extLst>
           </p:cNvPr>
@@ -13977,7 +13977,7 @@
           <p:cNvPr id="2" name="Title 1">
             <a:extLst>
               <a:ext uri="{FF2B5EF4-FFF2-40B4-BE49-F238E27FC236}">
-                <a16:creationId xmlns="" xmlns:a16="http://schemas.microsoft.com/office/drawing/2014/main" id="{18BCB5DB-9B0F-40B7-B3CA-62139B44ECA9}"/>
+                <a16:creationId xmlns:a16="http://schemas.microsoft.com/office/drawing/2014/main" xmlns="" id="{18BCB5DB-9B0F-40B7-B3CA-62139B44ECA9}"/>
               </a:ext>
             </a:extLst>
           </p:cNvPr>
@@ -14075,7 +14075,7 @@
           <p:cNvPr id="2" name="Title 1">
             <a:extLst>
               <a:ext uri="{FF2B5EF4-FFF2-40B4-BE49-F238E27FC236}">
-                <a16:creationId xmlns="" xmlns:a16="http://schemas.microsoft.com/office/drawing/2014/main" id="{18BCB5DB-9B0F-40B7-B3CA-62139B44ECA9}"/>
+                <a16:creationId xmlns:a16="http://schemas.microsoft.com/office/drawing/2014/main" xmlns="" id="{18BCB5DB-9B0F-40B7-B3CA-62139B44ECA9}"/>
               </a:ext>
             </a:extLst>
           </p:cNvPr>
@@ -14100,8 +14100,20 @@
           <a:p>
             <a:pPr algn="ctr"/>
             <a:r>
+              <a:rPr lang="en-US" sz="4400" b="1" smtClean="0"/>
+              <a:t>Monthly </a:t>
+            </a:r>
+            <a:r>
+              <a:rPr lang="en-US" sz="4400" b="1" smtClean="0"/>
+              <a:t>Profit/Loss</a:t>
+            </a:r>
+            <a:r>
+              <a:rPr lang="en-US" sz="4400" b="1" smtClean="0"/>
+              <a:t> </a:t>
+            </a:r>
+            <a:r>
               <a:rPr lang="en-US" sz="4400" b="1" dirty="0" smtClean="0"/>
-              <a:t>Monthly Sales Report</a:t>
+              <a:t>Report</a:t>
             </a:r>
             <a:endParaRPr lang="en-US" sz="4400" b="1" dirty="0"/>
           </a:p>
@@ -14173,7 +14185,7 @@
           <p:cNvPr id="2" name="Title 1">
             <a:extLst>
               <a:ext uri="{FF2B5EF4-FFF2-40B4-BE49-F238E27FC236}">
-                <a16:creationId xmlns="" xmlns:a16="http://schemas.microsoft.com/office/drawing/2014/main" id="{020CBA32-4561-4C72-90A3-951C08CBE747}"/>
+                <a16:creationId xmlns:a16="http://schemas.microsoft.com/office/drawing/2014/main" xmlns="" id="{020CBA32-4561-4C72-90A3-951C08CBE747}"/>
               </a:ext>
             </a:extLst>
           </p:cNvPr>
@@ -14291,7 +14303,7 @@
           <p:cNvPr id="2" name="Title 1">
             <a:extLst>
               <a:ext uri="{FF2B5EF4-FFF2-40B4-BE49-F238E27FC236}">
-                <a16:creationId xmlns="" xmlns:a16="http://schemas.microsoft.com/office/drawing/2014/main" id="{020CBA32-4561-4C72-90A3-951C08CBE747}"/>
+                <a16:creationId xmlns:a16="http://schemas.microsoft.com/office/drawing/2014/main" xmlns="" id="{020CBA32-4561-4C72-90A3-951C08CBE747}"/>
               </a:ext>
             </a:extLst>
           </p:cNvPr>
@@ -14350,7 +14362,7 @@
           <p:cNvPr id="2" name="Title 1">
             <a:extLst>
               <a:ext uri="{FF2B5EF4-FFF2-40B4-BE49-F238E27FC236}">
-                <a16:creationId xmlns="" xmlns:a16="http://schemas.microsoft.com/office/drawing/2014/main" id="{18BCB5DB-9B0F-40B7-B3CA-62139B44ECA9}"/>
+                <a16:creationId xmlns:a16="http://schemas.microsoft.com/office/drawing/2014/main" xmlns="" id="{18BCB5DB-9B0F-40B7-B3CA-62139B44ECA9}"/>
               </a:ext>
             </a:extLst>
           </p:cNvPr>
@@ -14478,7 +14490,7 @@
           <p:cNvPr id="2" name="Title 1">
             <a:extLst>
               <a:ext uri="{FF2B5EF4-FFF2-40B4-BE49-F238E27FC236}">
-                <a16:creationId xmlns="" xmlns:a16="http://schemas.microsoft.com/office/drawing/2014/main" id="{18BCB5DB-9B0F-40B7-B3CA-62139B44ECA9}"/>
+                <a16:creationId xmlns:a16="http://schemas.microsoft.com/office/drawing/2014/main" xmlns="" id="{18BCB5DB-9B0F-40B7-B3CA-62139B44ECA9}"/>
               </a:ext>
             </a:extLst>
           </p:cNvPr>
@@ -14589,7 +14601,7 @@
           <p:cNvPr id="2" name="Title 1">
             <a:extLst>
               <a:ext uri="{FF2B5EF4-FFF2-40B4-BE49-F238E27FC236}">
-                <a16:creationId xmlns="" xmlns:a16="http://schemas.microsoft.com/office/drawing/2014/main" id="{18BCB5DB-9B0F-40B7-B3CA-62139B44ECA9}"/>
+                <a16:creationId xmlns:a16="http://schemas.microsoft.com/office/drawing/2014/main" xmlns="" id="{18BCB5DB-9B0F-40B7-B3CA-62139B44ECA9}"/>
               </a:ext>
             </a:extLst>
           </p:cNvPr>
@@ -14725,7 +14737,7 @@
           <p:cNvPr id="2" name="Title 1">
             <a:extLst>
               <a:ext uri="{FF2B5EF4-FFF2-40B4-BE49-F238E27FC236}">
-                <a16:creationId xmlns="" xmlns:a16="http://schemas.microsoft.com/office/drawing/2014/main" id="{18BCB5DB-9B0F-40B7-B3CA-62139B44ECA9}"/>
+                <a16:creationId xmlns:a16="http://schemas.microsoft.com/office/drawing/2014/main" xmlns="" id="{18BCB5DB-9B0F-40B7-B3CA-62139B44ECA9}"/>
               </a:ext>
             </a:extLst>
           </p:cNvPr>
@@ -14839,7 +14851,7 @@
           <p:cNvPr id="2" name="Title 1">
             <a:extLst>
               <a:ext uri="{FF2B5EF4-FFF2-40B4-BE49-F238E27FC236}">
-                <a16:creationId xmlns="" xmlns:a16="http://schemas.microsoft.com/office/drawing/2014/main" id="{BAA2F0EC-C5FF-436E-B1DA-72E7C51122CF}"/>
+                <a16:creationId xmlns:a16="http://schemas.microsoft.com/office/drawing/2014/main" xmlns="" id="{BAA2F0EC-C5FF-436E-B1DA-72E7C51122CF}"/>
               </a:ext>
             </a:extLst>
           </p:cNvPr>
@@ -14872,7 +14884,7 @@
           <p:cNvPr id="3" name="Content Placeholder 2">
             <a:extLst>
               <a:ext uri="{FF2B5EF4-FFF2-40B4-BE49-F238E27FC236}">
-                <a16:creationId xmlns="" xmlns:a16="http://schemas.microsoft.com/office/drawing/2014/main" id="{9F2C06DC-6AF6-433A-8EC6-D4C645A3E375}"/>
+                <a16:creationId xmlns:a16="http://schemas.microsoft.com/office/drawing/2014/main" xmlns="" id="{9F2C06DC-6AF6-433A-8EC6-D4C645A3E375}"/>
               </a:ext>
             </a:extLst>
           </p:cNvPr>
@@ -14935,7 +14947,7 @@
           <p:cNvPr id="2" name="Title 1">
             <a:extLst>
               <a:ext uri="{FF2B5EF4-FFF2-40B4-BE49-F238E27FC236}">
-                <a16:creationId xmlns="" xmlns:a16="http://schemas.microsoft.com/office/drawing/2014/main" id="{18BCB5DB-9B0F-40B7-B3CA-62139B44ECA9}"/>
+                <a16:creationId xmlns:a16="http://schemas.microsoft.com/office/drawing/2014/main" xmlns="" id="{18BCB5DB-9B0F-40B7-B3CA-62139B44ECA9}"/>
               </a:ext>
             </a:extLst>
           </p:cNvPr>
@@ -15070,7 +15082,7 @@
           <p:cNvPr id="2" name="Title 1">
             <a:extLst>
               <a:ext uri="{FF2B5EF4-FFF2-40B4-BE49-F238E27FC236}">
-                <a16:creationId xmlns="" xmlns:a16="http://schemas.microsoft.com/office/drawing/2014/main" id="{18BCB5DB-9B0F-40B7-B3CA-62139B44ECA9}"/>
+                <a16:creationId xmlns:a16="http://schemas.microsoft.com/office/drawing/2014/main" xmlns="" id="{18BCB5DB-9B0F-40B7-B3CA-62139B44ECA9}"/>
               </a:ext>
             </a:extLst>
           </p:cNvPr>
@@ -15184,7 +15196,7 @@
           <p:cNvPr id="2" name="Title 1">
             <a:extLst>
               <a:ext uri="{FF2B5EF4-FFF2-40B4-BE49-F238E27FC236}">
-                <a16:creationId xmlns="" xmlns:a16="http://schemas.microsoft.com/office/drawing/2014/main" id="{18BCB5DB-9B0F-40B7-B3CA-62139B44ECA9}"/>
+                <a16:creationId xmlns:a16="http://schemas.microsoft.com/office/drawing/2014/main" xmlns="" id="{18BCB5DB-9B0F-40B7-B3CA-62139B44ECA9}"/>
               </a:ext>
             </a:extLst>
           </p:cNvPr>
@@ -15319,7 +15331,7 @@
           <p:cNvPr id="2" name="Title 1">
             <a:extLst>
               <a:ext uri="{FF2B5EF4-FFF2-40B4-BE49-F238E27FC236}">
-                <a16:creationId xmlns="" xmlns:a16="http://schemas.microsoft.com/office/drawing/2014/main" id="{18BCB5DB-9B0F-40B7-B3CA-62139B44ECA9}"/>
+                <a16:creationId xmlns:a16="http://schemas.microsoft.com/office/drawing/2014/main" xmlns="" id="{18BCB5DB-9B0F-40B7-B3CA-62139B44ECA9}"/>
               </a:ext>
             </a:extLst>
           </p:cNvPr>
@@ -15454,7 +15466,7 @@
           <p:cNvPr id="2" name="Title 1">
             <a:extLst>
               <a:ext uri="{FF2B5EF4-FFF2-40B4-BE49-F238E27FC236}">
-                <a16:creationId xmlns="" xmlns:a16="http://schemas.microsoft.com/office/drawing/2014/main" id="{BAA2F0EC-C5FF-436E-B1DA-72E7C51122CF}"/>
+                <a16:creationId xmlns:a16="http://schemas.microsoft.com/office/drawing/2014/main" xmlns="" id="{BAA2F0EC-C5FF-436E-B1DA-72E7C51122CF}"/>
               </a:ext>
             </a:extLst>
           </p:cNvPr>
@@ -15487,7 +15499,7 @@
           <p:cNvPr id="3" name="Content Placeholder 2">
             <a:extLst>
               <a:ext uri="{FF2B5EF4-FFF2-40B4-BE49-F238E27FC236}">
-                <a16:creationId xmlns="" xmlns:a16="http://schemas.microsoft.com/office/drawing/2014/main" id="{9F2C06DC-6AF6-433A-8EC6-D4C645A3E375}"/>
+                <a16:creationId xmlns:a16="http://schemas.microsoft.com/office/drawing/2014/main" xmlns="" id="{9F2C06DC-6AF6-433A-8EC6-D4C645A3E375}"/>
               </a:ext>
             </a:extLst>
           </p:cNvPr>
@@ -15592,7 +15604,7 @@
           <p:cNvPr id="2" name="Title 1">
             <a:extLst>
               <a:ext uri="{FF2B5EF4-FFF2-40B4-BE49-F238E27FC236}">
-                <a16:creationId xmlns="" xmlns:a16="http://schemas.microsoft.com/office/drawing/2014/main" id="{BAA2F0EC-C5FF-436E-B1DA-72E7C51122CF}"/>
+                <a16:creationId xmlns:a16="http://schemas.microsoft.com/office/drawing/2014/main" xmlns="" id="{BAA2F0EC-C5FF-436E-B1DA-72E7C51122CF}"/>
               </a:ext>
             </a:extLst>
           </p:cNvPr>
@@ -15625,7 +15637,7 @@
           <p:cNvPr id="3" name="Content Placeholder 2">
             <a:extLst>
               <a:ext uri="{FF2B5EF4-FFF2-40B4-BE49-F238E27FC236}">
-                <a16:creationId xmlns="" xmlns:a16="http://schemas.microsoft.com/office/drawing/2014/main" id="{9F2C06DC-6AF6-433A-8EC6-D4C645A3E375}"/>
+                <a16:creationId xmlns:a16="http://schemas.microsoft.com/office/drawing/2014/main" xmlns="" id="{9F2C06DC-6AF6-433A-8EC6-D4C645A3E375}"/>
               </a:ext>
             </a:extLst>
           </p:cNvPr>
